--- a/SeamsGood.pptx
+++ b/SeamsGood.pptx
@@ -5,13 +5,17 @@
     <p:sldMasterId id="2147483648" r:id="rId1"/>
   </p:sldMasterIdLst>
   <p:sldIdLst>
-    <p:sldId id="256" r:id="rId2"/>
-    <p:sldId id="257" r:id="rId3"/>
-    <p:sldId id="260" r:id="rId4"/>
-    <p:sldId id="258" r:id="rId5"/>
-    <p:sldId id="261" r:id="rId6"/>
-    <p:sldId id="262" r:id="rId7"/>
-    <p:sldId id="263" r:id="rId8"/>
+    <p:sldId id="267" r:id="rId2"/>
+    <p:sldId id="256" r:id="rId3"/>
+    <p:sldId id="268" r:id="rId4"/>
+    <p:sldId id="265" r:id="rId5"/>
+    <p:sldId id="263" r:id="rId6"/>
+    <p:sldId id="257" r:id="rId7"/>
+    <p:sldId id="260" r:id="rId8"/>
+    <p:sldId id="258" r:id="rId9"/>
+    <p:sldId id="261" r:id="rId10"/>
+    <p:sldId id="262" r:id="rId11"/>
+    <p:sldId id="270" r:id="rId12"/>
   </p:sldIdLst>
   <p:sldSz cx="12192000" cy="6858000"/>
   <p:notesSz cx="6858000" cy="9144000"/>
@@ -244,7 +248,7 @@
           <a:p>
             <a:fld id="{9CB4253E-77BE-489F-8D8A-F641EB496A78}" type="datetimeFigureOut">
               <a:rPr lang="zh-CN" altLang="en-US" smtClean="0"/>
-              <a:t>2016/5/12</a:t>
+              <a:t>2016/5/16</a:t>
             </a:fld>
             <a:endParaRPr lang="zh-CN" altLang="en-US"/>
           </a:p>
@@ -414,7 +418,7 @@
           <a:p>
             <a:fld id="{9CB4253E-77BE-489F-8D8A-F641EB496A78}" type="datetimeFigureOut">
               <a:rPr lang="zh-CN" altLang="en-US" smtClean="0"/>
-              <a:t>2016/5/12</a:t>
+              <a:t>2016/5/16</a:t>
             </a:fld>
             <a:endParaRPr lang="zh-CN" altLang="en-US"/>
           </a:p>
@@ -594,7 +598,7 @@
           <a:p>
             <a:fld id="{9CB4253E-77BE-489F-8D8A-F641EB496A78}" type="datetimeFigureOut">
               <a:rPr lang="zh-CN" altLang="en-US" smtClean="0"/>
-              <a:t>2016/5/12</a:t>
+              <a:t>2016/5/16</a:t>
             </a:fld>
             <a:endParaRPr lang="zh-CN" altLang="en-US"/>
           </a:p>
@@ -764,7 +768,7 @@
           <a:p>
             <a:fld id="{9CB4253E-77BE-489F-8D8A-F641EB496A78}" type="datetimeFigureOut">
               <a:rPr lang="zh-CN" altLang="en-US" smtClean="0"/>
-              <a:t>2016/5/12</a:t>
+              <a:t>2016/5/16</a:t>
             </a:fld>
             <a:endParaRPr lang="zh-CN" altLang="en-US"/>
           </a:p>
@@ -1010,7 +1014,7 @@
           <a:p>
             <a:fld id="{9CB4253E-77BE-489F-8D8A-F641EB496A78}" type="datetimeFigureOut">
               <a:rPr lang="zh-CN" altLang="en-US" smtClean="0"/>
-              <a:t>2016/5/12</a:t>
+              <a:t>2016/5/16</a:t>
             </a:fld>
             <a:endParaRPr lang="zh-CN" altLang="en-US"/>
           </a:p>
@@ -1242,7 +1246,7 @@
           <a:p>
             <a:fld id="{9CB4253E-77BE-489F-8D8A-F641EB496A78}" type="datetimeFigureOut">
               <a:rPr lang="zh-CN" altLang="en-US" smtClean="0"/>
-              <a:t>2016/5/12</a:t>
+              <a:t>2016/5/16</a:t>
             </a:fld>
             <a:endParaRPr lang="zh-CN" altLang="en-US"/>
           </a:p>
@@ -1609,7 +1613,7 @@
           <a:p>
             <a:fld id="{9CB4253E-77BE-489F-8D8A-F641EB496A78}" type="datetimeFigureOut">
               <a:rPr lang="zh-CN" altLang="en-US" smtClean="0"/>
-              <a:t>2016/5/12</a:t>
+              <a:t>2016/5/16</a:t>
             </a:fld>
             <a:endParaRPr lang="zh-CN" altLang="en-US"/>
           </a:p>
@@ -1727,7 +1731,7 @@
           <a:p>
             <a:fld id="{9CB4253E-77BE-489F-8D8A-F641EB496A78}" type="datetimeFigureOut">
               <a:rPr lang="zh-CN" altLang="en-US" smtClean="0"/>
-              <a:t>2016/5/12</a:t>
+              <a:t>2016/5/16</a:t>
             </a:fld>
             <a:endParaRPr lang="zh-CN" altLang="en-US"/>
           </a:p>
@@ -1822,7 +1826,7 @@
           <a:p>
             <a:fld id="{9CB4253E-77BE-489F-8D8A-F641EB496A78}" type="datetimeFigureOut">
               <a:rPr lang="zh-CN" altLang="en-US" smtClean="0"/>
-              <a:t>2016/5/12</a:t>
+              <a:t>2016/5/16</a:t>
             </a:fld>
             <a:endParaRPr lang="zh-CN" altLang="en-US"/>
           </a:p>
@@ -2099,7 +2103,7 @@
           <a:p>
             <a:fld id="{9CB4253E-77BE-489F-8D8A-F641EB496A78}" type="datetimeFigureOut">
               <a:rPr lang="zh-CN" altLang="en-US" smtClean="0"/>
-              <a:t>2016/5/12</a:t>
+              <a:t>2016/5/16</a:t>
             </a:fld>
             <a:endParaRPr lang="zh-CN" altLang="en-US"/>
           </a:p>
@@ -2352,7 +2356,7 @@
           <a:p>
             <a:fld id="{9CB4253E-77BE-489F-8D8A-F641EB496A78}" type="datetimeFigureOut">
               <a:rPr lang="zh-CN" altLang="en-US" smtClean="0"/>
-              <a:t>2016/5/12</a:t>
+              <a:t>2016/5/16</a:t>
             </a:fld>
             <a:endParaRPr lang="zh-CN" altLang="en-US"/>
           </a:p>
@@ -2565,7 +2569,7 @@
           <a:p>
             <a:fld id="{9CB4253E-77BE-489F-8D8A-F641EB496A78}" type="datetimeFigureOut">
               <a:rPr lang="zh-CN" altLang="en-US" smtClean="0"/>
-              <a:t>2016/5/12</a:t>
+              <a:t>2016/5/16</a:t>
             </a:fld>
             <a:endParaRPr lang="zh-CN" altLang="en-US"/>
           </a:p>
@@ -2972,6 +2976,662 @@
       </p:grpSpPr>
       <p:sp>
         <p:nvSpPr>
+          <p:cNvPr id="4" name="文本框 3"/>
+          <p:cNvSpPr txBox="1"/>
+          <p:nvPr/>
+        </p:nvSpPr>
+        <p:spPr>
+          <a:xfrm>
+            <a:off x="838199" y="1105231"/>
+            <a:ext cx="10949609" cy="1938992"/>
+          </a:xfrm>
+          <a:prstGeom prst="rect">
+            <a:avLst/>
+          </a:prstGeom>
+          <a:noFill/>
+        </p:spPr>
+        <p:txBody>
+          <a:bodyPr wrap="square" rtlCol="0">
+            <a:spAutoFit/>
+          </a:bodyPr>
+          <a:lstStyle/>
+          <a:p>
+            <a:r>
+              <a:rPr lang="en-US" sz="6000" b="1" dirty="0" smtClean="0">
+                <a:solidFill>
+                  <a:schemeClr val="tx2">
+                    <a:lumMod val="60000"/>
+                    <a:lumOff val="40000"/>
+                  </a:schemeClr>
+                </a:solidFill>
+                <a:latin typeface="+mj-lt"/>
+                <a:ea typeface="+mj-ea"/>
+                <a:cs typeface="+mj-cs"/>
+              </a:rPr>
+              <a:t>Forget </a:t>
+            </a:r>
+            <a:r>
+              <a:rPr lang="en-US" sz="6000" b="1" dirty="0">
+                <a:solidFill>
+                  <a:schemeClr val="tx2">
+                    <a:lumMod val="60000"/>
+                    <a:lumOff val="40000"/>
+                  </a:schemeClr>
+                </a:solidFill>
+                <a:latin typeface="+mj-lt"/>
+                <a:ea typeface="+mj-ea"/>
+                <a:cs typeface="+mj-cs"/>
+              </a:rPr>
+              <a:t>to order from seamless</a:t>
+            </a:r>
+            <a:r>
+              <a:rPr lang="en-US" sz="6000" b="1" dirty="0" smtClean="0">
+                <a:solidFill>
+                  <a:schemeClr val="tx2">
+                    <a:lumMod val="60000"/>
+                    <a:lumOff val="40000"/>
+                  </a:schemeClr>
+                </a:solidFill>
+                <a:latin typeface="+mj-lt"/>
+                <a:ea typeface="+mj-ea"/>
+                <a:cs typeface="+mj-cs"/>
+              </a:rPr>
+              <a:t>?</a:t>
+            </a:r>
+          </a:p>
+          <a:p>
+            <a:endParaRPr lang="en-US" sz="6000" b="1" dirty="0">
+              <a:solidFill>
+                <a:schemeClr val="tx2">
+                  <a:lumMod val="60000"/>
+                  <a:lumOff val="40000"/>
+                </a:schemeClr>
+              </a:solidFill>
+              <a:latin typeface="+mj-lt"/>
+              <a:ea typeface="+mj-ea"/>
+              <a:cs typeface="+mj-cs"/>
+            </a:endParaRPr>
+          </a:p>
+        </p:txBody>
+      </p:sp>
+      <p:sp>
+        <p:nvSpPr>
+          <p:cNvPr id="5" name="Rectangle 4"/>
+          <p:cNvSpPr/>
+          <p:nvPr/>
+        </p:nvSpPr>
+        <p:spPr>
+          <a:xfrm>
+            <a:off x="838198" y="2721057"/>
+            <a:ext cx="9860281" cy="2215991"/>
+          </a:xfrm>
+          <a:prstGeom prst="rect">
+            <a:avLst/>
+          </a:prstGeom>
+        </p:spPr>
+        <p:txBody>
+          <a:bodyPr wrap="square">
+            <a:spAutoFit/>
+          </a:bodyPr>
+          <a:lstStyle/>
+          <a:p>
+            <a:r>
+              <a:rPr lang="en-US" b="1" dirty="0">
+                <a:solidFill>
+                  <a:schemeClr val="tx2">
+                    <a:lumMod val="60000"/>
+                    <a:lumOff val="40000"/>
+                  </a:schemeClr>
+                </a:solidFill>
+              </a:rPr>
+              <a:t/>
+            </a:r>
+            <a:br>
+              <a:rPr lang="en-US" b="1" dirty="0">
+                <a:solidFill>
+                  <a:schemeClr val="tx2">
+                    <a:lumMod val="60000"/>
+                    <a:lumOff val="40000"/>
+                  </a:schemeClr>
+                </a:solidFill>
+              </a:rPr>
+            </a:br>
+            <a:r>
+              <a:rPr lang="en-US" sz="6000" b="1" dirty="0">
+                <a:solidFill>
+                  <a:schemeClr val="tx2">
+                    <a:lumMod val="60000"/>
+                    <a:lumOff val="40000"/>
+                  </a:schemeClr>
+                </a:solidFill>
+                <a:latin typeface="+mj-lt"/>
+                <a:ea typeface="+mj-ea"/>
+                <a:cs typeface="+mj-cs"/>
+              </a:rPr>
+              <a:t>Tired of placing </a:t>
+            </a:r>
+            <a:r>
+              <a:rPr lang="en-US" sz="6000" b="1" dirty="0" smtClean="0">
+                <a:solidFill>
+                  <a:schemeClr val="tx2">
+                    <a:lumMod val="60000"/>
+                    <a:lumOff val="40000"/>
+                  </a:schemeClr>
+                </a:solidFill>
+                <a:latin typeface="+mj-lt"/>
+                <a:ea typeface="+mj-ea"/>
+                <a:cs typeface="+mj-cs"/>
+              </a:rPr>
+              <a:t>same orders </a:t>
+            </a:r>
+            <a:r>
+              <a:rPr lang="en-US" sz="6000" b="1" dirty="0">
+                <a:solidFill>
+                  <a:schemeClr val="tx2">
+                    <a:lumMod val="60000"/>
+                    <a:lumOff val="40000"/>
+                  </a:schemeClr>
+                </a:solidFill>
+                <a:latin typeface="+mj-lt"/>
+                <a:ea typeface="+mj-ea"/>
+                <a:cs typeface="+mj-cs"/>
+              </a:rPr>
+              <a:t>in seamless everyday?</a:t>
+            </a:r>
+          </a:p>
+        </p:txBody>
+      </p:sp>
+    </p:spTree>
+    <p:extLst>
+      <p:ext uri="{BB962C8B-B14F-4D97-AF65-F5344CB8AC3E}">
+        <p14:creationId xmlns:p14="http://schemas.microsoft.com/office/powerpoint/2010/main" val="3936036343"/>
+      </p:ext>
+    </p:extLst>
+  </p:cSld>
+  <p:clrMapOvr>
+    <a:masterClrMapping/>
+  </p:clrMapOvr>
+  <p:timing>
+    <p:tnLst>
+      <p:par>
+        <p:cTn id="1" dur="indefinite" restart="never" nodeType="tmRoot">
+          <p:childTnLst>
+            <p:seq concurrent="1" nextAc="seek">
+              <p:cTn id="2" dur="indefinite" nodeType="mainSeq">
+                <p:childTnLst>
+                  <p:par>
+                    <p:cTn id="3" fill="hold">
+                      <p:stCondLst>
+                        <p:cond delay="indefinite"/>
+                      </p:stCondLst>
+                      <p:childTnLst>
+                        <p:par>
+                          <p:cTn id="4" fill="hold">
+                            <p:stCondLst>
+                              <p:cond delay="0"/>
+                            </p:stCondLst>
+                            <p:childTnLst>
+                              <p:par>
+                                <p:cTn id="5" presetID="1" presetClass="entr" presetSubtype="0" fill="hold" nodeType="clickEffect">
+                                  <p:stCondLst>
+                                    <p:cond delay="0"/>
+                                  </p:stCondLst>
+                                  <p:childTnLst>
+                                    <p:set>
+                                      <p:cBhvr>
+                                        <p:cTn id="6" dur="1" fill="hold">
+                                          <p:stCondLst>
+                                            <p:cond delay="0"/>
+                                          </p:stCondLst>
+                                        </p:cTn>
+                                        <p:tgtEl>
+                                          <p:spTgt spid="4">
+                                            <p:txEl>
+                                              <p:pRg st="0" end="0"/>
+                                            </p:txEl>
+                                          </p:spTgt>
+                                        </p:tgtEl>
+                                        <p:attrNameLst>
+                                          <p:attrName>style.visibility</p:attrName>
+                                        </p:attrNameLst>
+                                      </p:cBhvr>
+                                      <p:to>
+                                        <p:strVal val="visible"/>
+                                      </p:to>
+                                    </p:set>
+                                  </p:childTnLst>
+                                </p:cTn>
+                              </p:par>
+                            </p:childTnLst>
+                          </p:cTn>
+                        </p:par>
+                      </p:childTnLst>
+                    </p:cTn>
+                  </p:par>
+                  <p:par>
+                    <p:cTn id="7" fill="hold">
+                      <p:stCondLst>
+                        <p:cond delay="indefinite"/>
+                      </p:stCondLst>
+                      <p:childTnLst>
+                        <p:par>
+                          <p:cTn id="8" fill="hold">
+                            <p:stCondLst>
+                              <p:cond delay="0"/>
+                            </p:stCondLst>
+                            <p:childTnLst>
+                              <p:par>
+                                <p:cTn id="9" presetID="1" presetClass="entr" presetSubtype="0" fill="hold" grpId="0" nodeType="clickEffect">
+                                  <p:stCondLst>
+                                    <p:cond delay="0"/>
+                                  </p:stCondLst>
+                                  <p:childTnLst>
+                                    <p:set>
+                                      <p:cBhvr>
+                                        <p:cTn id="10" dur="1" fill="hold">
+                                          <p:stCondLst>
+                                            <p:cond delay="0"/>
+                                          </p:stCondLst>
+                                        </p:cTn>
+                                        <p:tgtEl>
+                                          <p:spTgt spid="5"/>
+                                        </p:tgtEl>
+                                        <p:attrNameLst>
+                                          <p:attrName>style.visibility</p:attrName>
+                                        </p:attrNameLst>
+                                      </p:cBhvr>
+                                      <p:to>
+                                        <p:strVal val="visible"/>
+                                      </p:to>
+                                    </p:set>
+                                  </p:childTnLst>
+                                </p:cTn>
+                              </p:par>
+                            </p:childTnLst>
+                          </p:cTn>
+                        </p:par>
+                      </p:childTnLst>
+                    </p:cTn>
+                  </p:par>
+                </p:childTnLst>
+              </p:cTn>
+              <p:prevCondLst>
+                <p:cond evt="onPrev" delay="0">
+                  <p:tgtEl>
+                    <p:sldTgt/>
+                  </p:tgtEl>
+                </p:cond>
+              </p:prevCondLst>
+              <p:nextCondLst>
+                <p:cond evt="onNext" delay="0">
+                  <p:tgtEl>
+                    <p:sldTgt/>
+                  </p:tgtEl>
+                </p:cond>
+              </p:nextCondLst>
+            </p:seq>
+          </p:childTnLst>
+        </p:cTn>
+      </p:par>
+    </p:tnLst>
+    <p:bldLst>
+      <p:bldP spid="5" grpId="0"/>
+    </p:bldLst>
+  </p:timing>
+</p:sld>
+</file>
+
+<file path=ppt/slides/slide10.xml><?xml version="1.0" encoding="utf-8"?>
+<p:sld xmlns:a="http://schemas.openxmlformats.org/drawingml/2006/main" xmlns:r="http://schemas.openxmlformats.org/officeDocument/2006/relationships" xmlns:p="http://schemas.openxmlformats.org/presentationml/2006/main">
+  <p:cSld>
+    <p:spTree>
+      <p:nvGrpSpPr>
+        <p:cNvPr id="1" name=""/>
+        <p:cNvGrpSpPr/>
+        <p:nvPr/>
+      </p:nvGrpSpPr>
+      <p:grpSpPr>
+        <a:xfrm>
+          <a:off x="0" y="0"/>
+          <a:ext cx="0" cy="0"/>
+          <a:chOff x="0" y="0"/>
+          <a:chExt cx="0" cy="0"/>
+        </a:xfrm>
+      </p:grpSpPr>
+      <p:sp>
+        <p:nvSpPr>
+          <p:cNvPr id="2" name="标题 1"/>
+          <p:cNvSpPr>
+            <a:spLocks noGrp="1"/>
+          </p:cNvSpPr>
+          <p:nvPr>
+            <p:ph type="title"/>
+          </p:nvPr>
+        </p:nvSpPr>
+        <p:spPr/>
+        <p:txBody>
+          <a:bodyPr>
+            <a:normAutofit/>
+          </a:bodyPr>
+          <a:lstStyle/>
+          <a:p>
+            <a:r>
+              <a:rPr lang="en-US" altLang="zh-CN" sz="8000" b="1" dirty="0" smtClean="0">
+                <a:solidFill>
+                  <a:schemeClr val="tx2">
+                    <a:lumMod val="60000"/>
+                    <a:lumOff val="40000"/>
+                  </a:schemeClr>
+                </a:solidFill>
+              </a:rPr>
+              <a:t>Hack 3: </a:t>
+            </a:r>
+            <a:endParaRPr lang="zh-CN" altLang="en-US" sz="8000" b="1" dirty="0">
+              <a:solidFill>
+                <a:schemeClr val="tx2">
+                  <a:lumMod val="60000"/>
+                  <a:lumOff val="40000"/>
+                </a:schemeClr>
+              </a:solidFill>
+            </a:endParaRPr>
+          </a:p>
+        </p:txBody>
+      </p:sp>
+      <p:sp>
+        <p:nvSpPr>
+          <p:cNvPr id="4" name="文本框 3"/>
+          <p:cNvSpPr txBox="1"/>
+          <p:nvPr/>
+        </p:nvSpPr>
+        <p:spPr>
+          <a:xfrm>
+            <a:off x="838200" y="1928191"/>
+            <a:ext cx="11605591" cy="4401205"/>
+          </a:xfrm>
+          <a:prstGeom prst="rect">
+            <a:avLst/>
+          </a:prstGeom>
+          <a:noFill/>
+        </p:spPr>
+        <p:txBody>
+          <a:bodyPr wrap="square" rtlCol="0">
+            <a:spAutoFit/>
+          </a:bodyPr>
+          <a:lstStyle>
+            <a:defPPr>
+              <a:defRPr lang="zh-CN"/>
+            </a:defPPr>
+            <a:lvl1pPr>
+              <a:defRPr sz="4000" b="1">
+                <a:solidFill>
+                  <a:schemeClr val="tx2">
+                    <a:lumMod val="60000"/>
+                    <a:lumOff val="40000"/>
+                  </a:schemeClr>
+                </a:solidFill>
+              </a:defRPr>
+            </a:lvl1pPr>
+          </a:lstStyle>
+          <a:p>
+            <a:r>
+              <a:rPr lang="en-US" altLang="zh-CN" dirty="0" smtClean="0"/>
+              <a:t>Working on Thursday:</a:t>
+            </a:r>
+          </a:p>
+          <a:p>
+            <a:endParaRPr lang="en-US" altLang="zh-CN" b="0" dirty="0" smtClean="0"/>
+          </a:p>
+          <a:p>
+            <a:r>
+              <a:rPr lang="en-US" altLang="zh-CN" b="0" dirty="0" smtClean="0"/>
+              <a:t>When </a:t>
+            </a:r>
+            <a:r>
+              <a:rPr lang="en-US" altLang="zh-CN" b="0" dirty="0"/>
+              <a:t>ordering is closed</a:t>
+            </a:r>
+            <a:r>
+              <a:rPr lang="en-US" altLang="zh-CN" b="0" dirty="0" smtClean="0"/>
+              <a:t>!</a:t>
+            </a:r>
+          </a:p>
+          <a:p>
+            <a:endParaRPr lang="en-GB" altLang="zh-CN" b="0" dirty="0"/>
+          </a:p>
+          <a:p>
+            <a:r>
+              <a:rPr lang="en-GB" altLang="zh-CN" b="0" dirty="0" smtClean="0"/>
+              <a:t>Reorder from favourites</a:t>
+            </a:r>
+            <a:endParaRPr lang="en-US" altLang="zh-CN" b="0" dirty="0" smtClean="0"/>
+          </a:p>
+          <a:p>
+            <a:endParaRPr lang="en-US" altLang="zh-CN" b="0" dirty="0"/>
+          </a:p>
+          <a:p>
+            <a:endParaRPr lang="en-US" altLang="zh-CN" b="0" dirty="0" smtClean="0"/>
+          </a:p>
+        </p:txBody>
+      </p:sp>
+    </p:spTree>
+    <p:extLst>
+      <p:ext uri="{BB962C8B-B14F-4D97-AF65-F5344CB8AC3E}">
+        <p14:creationId xmlns:p14="http://schemas.microsoft.com/office/powerpoint/2010/main" val="2851218705"/>
+      </p:ext>
+    </p:extLst>
+  </p:cSld>
+  <p:clrMapOvr>
+    <a:masterClrMapping/>
+  </p:clrMapOvr>
+  <p:timing>
+    <p:tnLst>
+      <p:par>
+        <p:cTn id="1" dur="indefinite" restart="never" nodeType="tmRoot"/>
+      </p:par>
+    </p:tnLst>
+  </p:timing>
+</p:sld>
+</file>
+
+<file path=ppt/slides/slide11.xml><?xml version="1.0" encoding="utf-8"?>
+<p:sld xmlns:a="http://schemas.openxmlformats.org/drawingml/2006/main" xmlns:r="http://schemas.openxmlformats.org/officeDocument/2006/relationships" xmlns:p="http://schemas.openxmlformats.org/presentationml/2006/main">
+  <p:cSld>
+    <p:spTree>
+      <p:nvGrpSpPr>
+        <p:cNvPr id="1" name=""/>
+        <p:cNvGrpSpPr/>
+        <p:nvPr/>
+      </p:nvGrpSpPr>
+      <p:grpSpPr>
+        <a:xfrm>
+          <a:off x="0" y="0"/>
+          <a:ext cx="0" cy="0"/>
+          <a:chOff x="0" y="0"/>
+          <a:chExt cx="0" cy="0"/>
+        </a:xfrm>
+      </p:grpSpPr>
+      <p:sp>
+        <p:nvSpPr>
+          <p:cNvPr id="2" name="标题 1"/>
+          <p:cNvSpPr>
+            <a:spLocks noGrp="1"/>
+          </p:cNvSpPr>
+          <p:nvPr>
+            <p:ph type="title"/>
+          </p:nvPr>
+        </p:nvSpPr>
+        <p:spPr/>
+        <p:txBody>
+          <a:bodyPr>
+            <a:normAutofit/>
+          </a:bodyPr>
+          <a:lstStyle/>
+          <a:p>
+            <a:r>
+              <a:rPr lang="en-US" altLang="zh-CN" sz="8000" b="1" dirty="0" smtClean="0">
+                <a:solidFill>
+                  <a:schemeClr val="tx2">
+                    <a:lumMod val="60000"/>
+                    <a:lumOff val="40000"/>
+                  </a:schemeClr>
+                </a:solidFill>
+              </a:rPr>
+              <a:t>Hack </a:t>
+            </a:r>
+            <a:r>
+              <a:rPr lang="en-US" altLang="zh-CN" sz="8000" b="1" dirty="0" smtClean="0">
+                <a:solidFill>
+                  <a:schemeClr val="tx2">
+                    <a:lumMod val="60000"/>
+                    <a:lumOff val="40000"/>
+                  </a:schemeClr>
+                </a:solidFill>
+              </a:rPr>
+              <a:t>4: </a:t>
+            </a:r>
+            <a:endParaRPr lang="zh-CN" altLang="en-US" sz="8000" b="1" dirty="0">
+              <a:solidFill>
+                <a:schemeClr val="tx2">
+                  <a:lumMod val="60000"/>
+                  <a:lumOff val="40000"/>
+                </a:schemeClr>
+              </a:solidFill>
+            </a:endParaRPr>
+          </a:p>
+        </p:txBody>
+      </p:sp>
+      <p:sp>
+        <p:nvSpPr>
+          <p:cNvPr id="4" name="文本框 3"/>
+          <p:cNvSpPr txBox="1"/>
+          <p:nvPr/>
+        </p:nvSpPr>
+        <p:spPr>
+          <a:xfrm>
+            <a:off x="838200" y="1928191"/>
+            <a:ext cx="11605591" cy="707886"/>
+          </a:xfrm>
+          <a:prstGeom prst="rect">
+            <a:avLst/>
+          </a:prstGeom>
+          <a:noFill/>
+        </p:spPr>
+        <p:txBody>
+          <a:bodyPr wrap="square" rtlCol="0">
+            <a:spAutoFit/>
+          </a:bodyPr>
+          <a:lstStyle>
+            <a:defPPr>
+              <a:defRPr lang="zh-CN"/>
+            </a:defPPr>
+            <a:lvl1pPr>
+              <a:defRPr sz="4000" b="1">
+                <a:solidFill>
+                  <a:schemeClr val="tx2">
+                    <a:lumMod val="60000"/>
+                    <a:lumOff val="40000"/>
+                  </a:schemeClr>
+                </a:solidFill>
+              </a:defRPr>
+            </a:lvl1pPr>
+          </a:lstStyle>
+          <a:p>
+            <a:r>
+              <a:rPr lang="en-US" altLang="zh-CN" dirty="0" smtClean="0"/>
+              <a:t>Get </a:t>
+            </a:r>
+            <a:r>
+              <a:rPr lang="en-US" altLang="zh-CN" dirty="0"/>
+              <a:t>d</a:t>
+            </a:r>
+            <a:r>
+              <a:rPr lang="en-US" altLang="zh-CN" dirty="0" smtClean="0"/>
+              <a:t>ouble lunches?</a:t>
+            </a:r>
+            <a:endParaRPr lang="en-US" altLang="zh-CN" b="0" dirty="0" smtClean="0"/>
+          </a:p>
+        </p:txBody>
+      </p:sp>
+      <p:pic>
+        <p:nvPicPr>
+          <p:cNvPr id="5" name="Picture 2" descr="http://i1.kym-cdn.com/photos/images/facebook/000/993/875/084.png"/>
+          <p:cNvPicPr>
+            <a:picLocks noChangeAspect="1" noChangeArrowheads="1"/>
+          </p:cNvPicPr>
+          <p:nvPr/>
+        </p:nvPicPr>
+        <p:blipFill>
+          <a:blip r:embed="rId2">
+            <a:extLst>
+              <a:ext uri="{28A0092B-C50C-407E-A947-70E740481C1C}">
+                <a14:useLocalDpi xmlns:a14="http://schemas.microsoft.com/office/drawing/2010/main" val="0"/>
+              </a:ext>
+            </a:extLst>
+          </a:blip>
+          <a:srcRect/>
+          <a:stretch>
+            <a:fillRect/>
+          </a:stretch>
+        </p:blipFill>
+        <p:spPr bwMode="auto">
+          <a:xfrm>
+            <a:off x="4017822" y="2636077"/>
+            <a:ext cx="3385466" cy="2888932"/>
+          </a:xfrm>
+          <a:prstGeom prst="rect">
+            <a:avLst/>
+          </a:prstGeom>
+          <a:noFill/>
+          <a:extLst>
+            <a:ext uri="{909E8E84-426E-40DD-AFC4-6F175D3DCCD1}">
+              <a14:hiddenFill xmlns:a14="http://schemas.microsoft.com/office/drawing/2010/main">
+                <a:solidFill>
+                  <a:srgbClr val="FFFFFF"/>
+                </a:solidFill>
+              </a14:hiddenFill>
+            </a:ext>
+          </a:extLst>
+        </p:spPr>
+      </p:pic>
+    </p:spTree>
+    <p:extLst>
+      <p:ext uri="{BB962C8B-B14F-4D97-AF65-F5344CB8AC3E}">
+        <p14:creationId xmlns:p14="http://schemas.microsoft.com/office/powerpoint/2010/main" val="1530460793"/>
+      </p:ext>
+    </p:extLst>
+  </p:cSld>
+  <p:clrMapOvr>
+    <a:masterClrMapping/>
+  </p:clrMapOvr>
+  <p:timing>
+    <p:tnLst>
+      <p:par>
+        <p:cTn id="1" dur="indefinite" restart="never" nodeType="tmRoot"/>
+      </p:par>
+    </p:tnLst>
+  </p:timing>
+</p:sld>
+</file>
+
+<file path=ppt/slides/slide2.xml><?xml version="1.0" encoding="utf-8"?>
+<p:sld xmlns:a="http://schemas.openxmlformats.org/drawingml/2006/main" xmlns:r="http://schemas.openxmlformats.org/officeDocument/2006/relationships" xmlns:p="http://schemas.openxmlformats.org/presentationml/2006/main">
+  <p:cSld>
+    <p:spTree>
+      <p:nvGrpSpPr>
+        <p:cNvPr id="1" name=""/>
+        <p:cNvGrpSpPr/>
+        <p:nvPr/>
+      </p:nvGrpSpPr>
+      <p:grpSpPr>
+        <a:xfrm>
+          <a:off x="0" y="0"/>
+          <a:ext cx="0" cy="0"/>
+          <a:chOff x="0" y="0"/>
+          <a:chExt cx="0" cy="0"/>
+        </a:xfrm>
+      </p:grpSpPr>
+      <p:sp>
+        <p:nvSpPr>
           <p:cNvPr id="2" name="标题 1"/>
           <p:cNvSpPr>
             <a:spLocks noGrp="1"/>
@@ -3091,7 +3751,326 @@
 </p:sld>
 </file>
 
-<file path=ppt/slides/slide2.xml><?xml version="1.0" encoding="utf-8"?>
+<file path=ppt/slides/slide3.xml><?xml version="1.0" encoding="utf-8"?>
+<p:sld xmlns:a="http://schemas.openxmlformats.org/drawingml/2006/main" xmlns:r="http://schemas.openxmlformats.org/officeDocument/2006/relationships" xmlns:p="http://schemas.openxmlformats.org/presentationml/2006/main">
+  <p:cSld>
+    <p:spTree>
+      <p:nvGrpSpPr>
+        <p:cNvPr id="1" name=""/>
+        <p:cNvGrpSpPr/>
+        <p:nvPr/>
+      </p:nvGrpSpPr>
+      <p:grpSpPr>
+        <a:xfrm>
+          <a:off x="0" y="0"/>
+          <a:ext cx="0" cy="0"/>
+          <a:chOff x="0" y="0"/>
+          <a:chExt cx="0" cy="0"/>
+        </a:xfrm>
+      </p:grpSpPr>
+      <p:pic>
+        <p:nvPicPr>
+          <p:cNvPr id="1027" name="Picture 3" descr="C:\Users\mizhang\Desktop\seamsgood.png"/>
+          <p:cNvPicPr>
+            <a:picLocks noChangeAspect="1" noChangeArrowheads="1"/>
+          </p:cNvPicPr>
+          <p:nvPr/>
+        </p:nvPicPr>
+        <p:blipFill>
+          <a:blip r:embed="rId2">
+            <a:extLst>
+              <a:ext uri="{28A0092B-C50C-407E-A947-70E740481C1C}">
+                <a14:useLocalDpi xmlns:a14="http://schemas.microsoft.com/office/drawing/2010/main" val="0"/>
+              </a:ext>
+            </a:extLst>
+          </a:blip>
+          <a:srcRect/>
+          <a:stretch>
+            <a:fillRect/>
+          </a:stretch>
+        </p:blipFill>
+        <p:spPr bwMode="auto">
+          <a:xfrm>
+            <a:off x="2248853" y="0"/>
+            <a:ext cx="7740967" cy="6883694"/>
+          </a:xfrm>
+          <a:prstGeom prst="rect">
+            <a:avLst/>
+          </a:prstGeom>
+          <a:noFill/>
+          <a:extLst>
+            <a:ext uri="{909E8E84-426E-40DD-AFC4-6F175D3DCCD1}">
+              <a14:hiddenFill xmlns:a14="http://schemas.microsoft.com/office/drawing/2010/main">
+                <a:solidFill>
+                  <a:srgbClr val="FFFFFF"/>
+                </a:solidFill>
+              </a14:hiddenFill>
+            </a:ext>
+          </a:extLst>
+        </p:spPr>
+      </p:pic>
+    </p:spTree>
+    <p:extLst>
+      <p:ext uri="{BB962C8B-B14F-4D97-AF65-F5344CB8AC3E}">
+        <p14:creationId xmlns:p14="http://schemas.microsoft.com/office/powerpoint/2010/main" val="2068380386"/>
+      </p:ext>
+    </p:extLst>
+  </p:cSld>
+  <p:clrMapOvr>
+    <a:masterClrMapping/>
+  </p:clrMapOvr>
+  <p:timing>
+    <p:tnLst>
+      <p:par>
+        <p:cTn id="1" dur="indefinite" restart="never" nodeType="tmRoot"/>
+      </p:par>
+    </p:tnLst>
+  </p:timing>
+</p:sld>
+</file>
+
+<file path=ppt/slides/slide4.xml><?xml version="1.0" encoding="utf-8"?>
+<p:sld xmlns:a="http://schemas.openxmlformats.org/drawingml/2006/main" xmlns:r="http://schemas.openxmlformats.org/officeDocument/2006/relationships" xmlns:p="http://schemas.openxmlformats.org/presentationml/2006/main">
+  <p:cSld>
+    <p:spTree>
+      <p:nvGrpSpPr>
+        <p:cNvPr id="1" name=""/>
+        <p:cNvGrpSpPr/>
+        <p:nvPr/>
+      </p:nvGrpSpPr>
+      <p:grpSpPr>
+        <a:xfrm>
+          <a:off x="0" y="0"/>
+          <a:ext cx="0" cy="0"/>
+          <a:chOff x="0" y="0"/>
+          <a:chExt cx="0" cy="0"/>
+        </a:xfrm>
+      </p:grpSpPr>
+      <p:sp>
+        <p:nvSpPr>
+          <p:cNvPr id="2" name="标题 1"/>
+          <p:cNvSpPr>
+            <a:spLocks noGrp="1"/>
+          </p:cNvSpPr>
+          <p:nvPr>
+            <p:ph type="title"/>
+          </p:nvPr>
+        </p:nvSpPr>
+        <p:spPr/>
+        <p:txBody>
+          <a:bodyPr>
+            <a:normAutofit/>
+          </a:bodyPr>
+          <a:lstStyle/>
+          <a:p>
+            <a:r>
+              <a:rPr lang="en-US" altLang="zh-CN" sz="8000" b="1" dirty="0" err="1" smtClean="0">
+                <a:solidFill>
+                  <a:schemeClr val="tx2">
+                    <a:lumMod val="60000"/>
+                    <a:lumOff val="40000"/>
+                  </a:schemeClr>
+                </a:solidFill>
+              </a:rPr>
+              <a:t>SeamsGood</a:t>
+            </a:r>
+            <a:r>
+              <a:rPr lang="en-US" altLang="zh-CN" sz="8000" b="1" dirty="0" smtClean="0">
+                <a:solidFill>
+                  <a:schemeClr val="tx2">
+                    <a:lumMod val="60000"/>
+                    <a:lumOff val="40000"/>
+                  </a:schemeClr>
+                </a:solidFill>
+              </a:rPr>
+              <a:t>:</a:t>
+            </a:r>
+            <a:endParaRPr lang="zh-CN" altLang="en-US" sz="8000" b="1" dirty="0">
+              <a:solidFill>
+                <a:schemeClr val="tx2">
+                  <a:lumMod val="60000"/>
+                  <a:lumOff val="40000"/>
+                </a:schemeClr>
+              </a:solidFill>
+            </a:endParaRPr>
+          </a:p>
+        </p:txBody>
+      </p:sp>
+      <p:sp>
+        <p:nvSpPr>
+          <p:cNvPr id="4" name="文本框 3"/>
+          <p:cNvSpPr txBox="1"/>
+          <p:nvPr/>
+        </p:nvSpPr>
+        <p:spPr>
+          <a:xfrm>
+            <a:off x="838200" y="1928191"/>
+            <a:ext cx="10949609" cy="1631216"/>
+          </a:xfrm>
+          <a:prstGeom prst="rect">
+            <a:avLst/>
+          </a:prstGeom>
+          <a:noFill/>
+        </p:spPr>
+        <p:txBody>
+          <a:bodyPr wrap="square" rtlCol="0">
+            <a:spAutoFit/>
+          </a:bodyPr>
+          <a:lstStyle/>
+          <a:p>
+            <a:r>
+              <a:rPr lang="en-US" sz="5000" b="1" dirty="0" smtClean="0">
+                <a:solidFill>
+                  <a:schemeClr val="tx2">
+                    <a:lumMod val="60000"/>
+                    <a:lumOff val="40000"/>
+                  </a:schemeClr>
+                </a:solidFill>
+                <a:latin typeface="+mj-lt"/>
+                <a:ea typeface="+mj-ea"/>
+                <a:cs typeface="+mj-cs"/>
+              </a:rPr>
+              <a:t>Scripts to automatically </a:t>
+            </a:r>
+            <a:r>
+              <a:rPr lang="en-US" sz="5000" b="1" dirty="0">
+                <a:solidFill>
+                  <a:schemeClr val="tx2">
+                    <a:lumMod val="60000"/>
+                    <a:lumOff val="40000"/>
+                  </a:schemeClr>
+                </a:solidFill>
+                <a:latin typeface="+mj-lt"/>
+                <a:ea typeface="+mj-ea"/>
+                <a:cs typeface="+mj-cs"/>
+              </a:rPr>
+              <a:t>place your seamless order with your preferred </a:t>
+            </a:r>
+            <a:r>
+              <a:rPr lang="en-US" sz="5000" b="1" dirty="0" smtClean="0">
+                <a:solidFill>
+                  <a:schemeClr val="tx2">
+                    <a:lumMod val="60000"/>
+                    <a:lumOff val="40000"/>
+                  </a:schemeClr>
+                </a:solidFill>
+                <a:latin typeface="+mj-lt"/>
+                <a:ea typeface="+mj-ea"/>
+                <a:cs typeface="+mj-cs"/>
+              </a:rPr>
+              <a:t>order.</a:t>
+            </a:r>
+            <a:endParaRPr lang="en-US" sz="5000" b="1" dirty="0">
+              <a:solidFill>
+                <a:schemeClr val="tx2">
+                  <a:lumMod val="60000"/>
+                  <a:lumOff val="40000"/>
+                </a:schemeClr>
+              </a:solidFill>
+              <a:latin typeface="+mj-lt"/>
+              <a:ea typeface="+mj-ea"/>
+              <a:cs typeface="+mj-cs"/>
+            </a:endParaRPr>
+          </a:p>
+        </p:txBody>
+      </p:sp>
+    </p:spTree>
+    <p:extLst>
+      <p:ext uri="{BB962C8B-B14F-4D97-AF65-F5344CB8AC3E}">
+        <p14:creationId xmlns:p14="http://schemas.microsoft.com/office/powerpoint/2010/main" val="678154361"/>
+      </p:ext>
+    </p:extLst>
+  </p:cSld>
+  <p:clrMapOvr>
+    <a:masterClrMapping/>
+  </p:clrMapOvr>
+  <p:timing>
+    <p:tnLst>
+      <p:par>
+        <p:cTn id="1" dur="indefinite" restart="never" nodeType="tmRoot"/>
+      </p:par>
+    </p:tnLst>
+  </p:timing>
+</p:sld>
+</file>
+
+<file path=ppt/slides/slide5.xml><?xml version="1.0" encoding="utf-8"?>
+<p:sld xmlns:a="http://schemas.openxmlformats.org/drawingml/2006/main" xmlns:r="http://schemas.openxmlformats.org/officeDocument/2006/relationships" xmlns:p="http://schemas.openxmlformats.org/presentationml/2006/main">
+  <p:cSld>
+    <p:spTree>
+      <p:nvGrpSpPr>
+        <p:cNvPr id="1" name=""/>
+        <p:cNvGrpSpPr/>
+        <p:nvPr/>
+      </p:nvGrpSpPr>
+      <p:grpSpPr>
+        <a:xfrm>
+          <a:off x="0" y="0"/>
+          <a:ext cx="0" cy="0"/>
+          <a:chOff x="0" y="0"/>
+          <a:chExt cx="0" cy="0"/>
+        </a:xfrm>
+      </p:grpSpPr>
+      <p:sp>
+        <p:nvSpPr>
+          <p:cNvPr id="2" name="标题 1"/>
+          <p:cNvSpPr>
+            <a:spLocks noGrp="1"/>
+          </p:cNvSpPr>
+          <p:nvPr>
+            <p:ph type="title"/>
+          </p:nvPr>
+        </p:nvSpPr>
+        <p:spPr/>
+        <p:txBody>
+          <a:bodyPr>
+            <a:normAutofit/>
+          </a:bodyPr>
+          <a:lstStyle/>
+          <a:p>
+            <a:r>
+              <a:rPr lang="en-US" altLang="zh-CN" sz="8000" b="1" dirty="0" smtClean="0">
+                <a:solidFill>
+                  <a:schemeClr val="tx2">
+                    <a:lumMod val="60000"/>
+                    <a:lumOff val="40000"/>
+                  </a:schemeClr>
+                </a:solidFill>
+              </a:rPr>
+              <a:t>Demo</a:t>
+            </a:r>
+            <a:endParaRPr lang="zh-CN" altLang="en-US" sz="8000" b="1" dirty="0">
+              <a:solidFill>
+                <a:schemeClr val="tx2">
+                  <a:lumMod val="60000"/>
+                  <a:lumOff val="40000"/>
+                </a:schemeClr>
+              </a:solidFill>
+            </a:endParaRPr>
+          </a:p>
+        </p:txBody>
+      </p:sp>
+    </p:spTree>
+    <p:extLst>
+      <p:ext uri="{BB962C8B-B14F-4D97-AF65-F5344CB8AC3E}">
+        <p14:creationId xmlns:p14="http://schemas.microsoft.com/office/powerpoint/2010/main" val="2117103058"/>
+      </p:ext>
+    </p:extLst>
+  </p:cSld>
+  <p:clrMapOvr>
+    <a:masterClrMapping/>
+  </p:clrMapOvr>
+  <p:timing>
+    <p:tnLst>
+      <p:par>
+        <p:cTn id="1" dur="indefinite" restart="never" nodeType="tmRoot"/>
+      </p:par>
+    </p:tnLst>
+  </p:timing>
+</p:sld>
+</file>
+
+<file path=ppt/slides/slide6.xml><?xml version="1.0" encoding="utf-8"?>
 <p:sld xmlns:a="http://schemas.openxmlformats.org/drawingml/2006/main" xmlns:r="http://schemas.openxmlformats.org/officeDocument/2006/relationships" xmlns:p="http://schemas.openxmlformats.org/presentationml/2006/main">
   <p:cSld>
     <p:spTree>
@@ -3133,45 +4112,25 @@
       </p:pic>
       <p:sp>
         <p:nvSpPr>
-          <p:cNvPr id="7" name="标题 1"/>
-          <p:cNvSpPr txBox="1">
-            <a:spLocks/>
-          </p:cNvSpPr>
-          <p:nvPr/>
+          <p:cNvPr id="5" name="标题 1"/>
+          <p:cNvSpPr>
+            <a:spLocks noGrp="1"/>
+          </p:cNvSpPr>
+          <p:nvPr>
+            <p:ph type="title"/>
+          </p:nvPr>
         </p:nvSpPr>
         <p:spPr>
           <a:xfrm>
-            <a:off x="2350124" y="0"/>
-            <a:ext cx="9144000" cy="2387600"/>
+            <a:off x="838200" y="365125"/>
+            <a:ext cx="10515600" cy="1325563"/>
           </a:xfrm>
-          <a:prstGeom prst="rect">
-            <a:avLst/>
-          </a:prstGeom>
-          <a:noFill/>
         </p:spPr>
         <p:txBody>
-          <a:bodyPr vert="horz" lIns="91440" tIns="45720" rIns="91440" bIns="45720" rtlCol="0" anchor="ctr">
+          <a:bodyPr>
             <a:normAutofit/>
           </a:bodyPr>
-          <a:lstStyle>
-            <a:lvl1pPr algn="l" defTabSz="914400" rtl="0" eaLnBrk="1" latinLnBrk="0" hangingPunct="1">
-              <a:lnSpc>
-                <a:spcPct val="90000"/>
-              </a:lnSpc>
-              <a:spcBef>
-                <a:spcPct val="0"/>
-              </a:spcBef>
-              <a:buNone/>
-              <a:defRPr sz="4400" kern="1200">
-                <a:solidFill>
-                  <a:schemeClr val="tx1"/>
-                </a:solidFill>
-                <a:latin typeface="+mj-lt"/>
-                <a:ea typeface="+mj-ea"/>
-                <a:cs typeface="+mj-cs"/>
-              </a:defRPr>
-            </a:lvl1pPr>
-          </a:lstStyle>
+          <a:lstStyle/>
           <a:p>
             <a:r>
               <a:rPr lang="en-US" altLang="zh-CN" sz="8000" b="1" dirty="0" smtClean="0">
@@ -3182,7 +4141,7 @@
                   </a:schemeClr>
                 </a:solidFill>
               </a:rPr>
-              <a:t>Page Automation</a:t>
+              <a:t>Page Automation:</a:t>
             </a:r>
             <a:endParaRPr lang="zh-CN" altLang="en-US" sz="8000" b="1" dirty="0">
               <a:solidFill>
@@ -3199,687 +4158,6 @@
     <p:extLst>
       <p:ext uri="{BB962C8B-B14F-4D97-AF65-F5344CB8AC3E}">
         <p14:creationId xmlns:p14="http://schemas.microsoft.com/office/powerpoint/2010/main" val="3076372379"/>
-      </p:ext>
-    </p:extLst>
-  </p:cSld>
-  <p:clrMapOvr>
-    <a:masterClrMapping/>
-  </p:clrMapOvr>
-  <p:timing>
-    <p:tnLst>
-      <p:par>
-        <p:cTn id="1" dur="indefinite" restart="never" nodeType="tmRoot"/>
-      </p:par>
-    </p:tnLst>
-  </p:timing>
-</p:sld>
-</file>
-
-<file path=ppt/slides/slide3.xml><?xml version="1.0" encoding="utf-8"?>
-<p:sld xmlns:a="http://schemas.openxmlformats.org/drawingml/2006/main" xmlns:r="http://schemas.openxmlformats.org/officeDocument/2006/relationships" xmlns:p="http://schemas.openxmlformats.org/presentationml/2006/main">
-  <p:cSld>
-    <p:spTree>
-      <p:nvGrpSpPr>
-        <p:cNvPr id="1" name=""/>
-        <p:cNvGrpSpPr/>
-        <p:nvPr/>
-      </p:nvGrpSpPr>
-      <p:grpSpPr>
-        <a:xfrm>
-          <a:off x="0" y="0"/>
-          <a:ext cx="0" cy="0"/>
-          <a:chOff x="0" y="0"/>
-          <a:chExt cx="0" cy="0"/>
-        </a:xfrm>
-      </p:grpSpPr>
-      <p:sp>
-        <p:nvSpPr>
-          <p:cNvPr id="2" name="标题 1"/>
-          <p:cNvSpPr>
-            <a:spLocks noGrp="1"/>
-          </p:cNvSpPr>
-          <p:nvPr>
-            <p:ph type="title"/>
-          </p:nvPr>
-        </p:nvSpPr>
-        <p:spPr/>
-        <p:txBody>
-          <a:bodyPr>
-            <a:normAutofit/>
-          </a:bodyPr>
-          <a:lstStyle/>
-          <a:p>
-            <a:r>
-              <a:rPr lang="en-US" altLang="zh-CN" sz="8000" b="1" dirty="0">
-                <a:solidFill>
-                  <a:schemeClr val="tx2">
-                    <a:lumMod val="60000"/>
-                    <a:lumOff val="40000"/>
-                  </a:schemeClr>
-                </a:solidFill>
-              </a:rPr>
-              <a:t>Cracking Seamless</a:t>
-            </a:r>
-            <a:endParaRPr lang="zh-CN" altLang="en-US" sz="8000" b="1" dirty="0">
-              <a:solidFill>
-                <a:schemeClr val="tx2">
-                  <a:lumMod val="60000"/>
-                  <a:lumOff val="40000"/>
-                </a:schemeClr>
-              </a:solidFill>
-            </a:endParaRPr>
-          </a:p>
-        </p:txBody>
-      </p:sp>
-      <p:sp>
-        <p:nvSpPr>
-          <p:cNvPr id="4" name="文本框 3"/>
-          <p:cNvSpPr txBox="1"/>
-          <p:nvPr/>
-        </p:nvSpPr>
-        <p:spPr>
-          <a:xfrm>
-            <a:off x="838200" y="1928191"/>
-            <a:ext cx="10949609" cy="1323439"/>
-          </a:xfrm>
-          <a:prstGeom prst="rect">
-            <a:avLst/>
-          </a:prstGeom>
-          <a:noFill/>
-        </p:spPr>
-        <p:txBody>
-          <a:bodyPr wrap="square" rtlCol="0">
-            <a:spAutoFit/>
-          </a:bodyPr>
-          <a:lstStyle/>
-          <a:p>
-            <a:r>
-              <a:rPr lang="en-US" altLang="zh-CN" sz="4000" b="1" dirty="0" smtClean="0">
-                <a:solidFill>
-                  <a:schemeClr val="tx2">
-                    <a:lumMod val="60000"/>
-                    <a:lumOff val="40000"/>
-                  </a:schemeClr>
-                </a:solidFill>
-              </a:rPr>
-              <a:t>In </a:t>
-            </a:r>
-            <a:r>
-              <a:rPr lang="en-US" altLang="zh-CN" sz="4000" b="1" dirty="0">
-                <a:solidFill>
-                  <a:schemeClr val="tx2">
-                    <a:lumMod val="60000"/>
-                    <a:lumOff val="40000"/>
-                  </a:schemeClr>
-                </a:solidFill>
-              </a:rPr>
-              <a:t>code </a:t>
-            </a:r>
-            <a:r>
-              <a:rPr lang="en-US" altLang="zh-CN" sz="4000" b="1" dirty="0" smtClean="0">
-                <a:solidFill>
-                  <a:schemeClr val="tx2">
-                    <a:lumMod val="60000"/>
-                    <a:lumOff val="40000"/>
-                  </a:schemeClr>
-                </a:solidFill>
-              </a:rPr>
-              <a:t>level:</a:t>
-            </a:r>
-            <a:endParaRPr lang="zh-CN" altLang="en-US" sz="4000" b="1" dirty="0">
-              <a:solidFill>
-                <a:schemeClr val="tx2">
-                  <a:lumMod val="60000"/>
-                  <a:lumOff val="40000"/>
-                </a:schemeClr>
-              </a:solidFill>
-            </a:endParaRPr>
-          </a:p>
-          <a:p>
-            <a:r>
-              <a:rPr lang="en-US" altLang="zh-CN" sz="4000" b="1" dirty="0" smtClean="0">
-                <a:solidFill>
-                  <a:schemeClr val="tx2">
-                    <a:lumMod val="60000"/>
-                    <a:lumOff val="40000"/>
-                  </a:schemeClr>
-                </a:solidFill>
-                <a:latin typeface="+mj-lt"/>
-                <a:ea typeface="+mj-ea"/>
-                <a:cs typeface="+mj-cs"/>
-              </a:rPr>
-              <a:t>Figure </a:t>
-            </a:r>
-            <a:r>
-              <a:rPr lang="en-US" altLang="zh-CN" sz="4000" b="1" dirty="0">
-                <a:solidFill>
-                  <a:schemeClr val="tx2">
-                    <a:lumMod val="60000"/>
-                    <a:lumOff val="40000"/>
-                  </a:schemeClr>
-                </a:solidFill>
-                <a:latin typeface="+mj-lt"/>
-                <a:ea typeface="+mj-ea"/>
-                <a:cs typeface="+mj-cs"/>
-              </a:rPr>
-              <a:t>out how to </a:t>
-            </a:r>
-            <a:r>
-              <a:rPr lang="en-US" altLang="zh-CN" sz="4000" b="1" dirty="0" smtClean="0">
-                <a:solidFill>
-                  <a:schemeClr val="tx2">
-                    <a:lumMod val="60000"/>
-                    <a:lumOff val="40000"/>
-                  </a:schemeClr>
-                </a:solidFill>
-                <a:latin typeface="+mj-lt"/>
-                <a:ea typeface="+mj-ea"/>
-                <a:cs typeface="+mj-cs"/>
-              </a:rPr>
-              <a:t>login, place order, submit order</a:t>
-            </a:r>
-            <a:endParaRPr lang="zh-CN" altLang="en-US" sz="4000" b="1" dirty="0">
-              <a:solidFill>
-                <a:schemeClr val="tx2">
-                  <a:lumMod val="60000"/>
-                  <a:lumOff val="40000"/>
-                </a:schemeClr>
-              </a:solidFill>
-              <a:latin typeface="+mj-lt"/>
-              <a:ea typeface="+mj-ea"/>
-              <a:cs typeface="+mj-cs"/>
-            </a:endParaRPr>
-          </a:p>
-        </p:txBody>
-      </p:sp>
-    </p:spTree>
-    <p:extLst>
-      <p:ext uri="{BB962C8B-B14F-4D97-AF65-F5344CB8AC3E}">
-        <p14:creationId xmlns:p14="http://schemas.microsoft.com/office/powerpoint/2010/main" val="1780844100"/>
-      </p:ext>
-    </p:extLst>
-  </p:cSld>
-  <p:clrMapOvr>
-    <a:masterClrMapping/>
-  </p:clrMapOvr>
-  <p:timing>
-    <p:tnLst>
-      <p:par>
-        <p:cTn id="1" dur="indefinite" restart="never" nodeType="tmRoot"/>
-      </p:par>
-    </p:tnLst>
-  </p:timing>
-</p:sld>
-</file>
-
-<file path=ppt/slides/slide4.xml><?xml version="1.0" encoding="utf-8"?>
-<p:sld xmlns:a="http://schemas.openxmlformats.org/drawingml/2006/main" xmlns:r="http://schemas.openxmlformats.org/officeDocument/2006/relationships" xmlns:p="http://schemas.openxmlformats.org/presentationml/2006/main">
-  <p:cSld>
-    <p:spTree>
-      <p:nvGrpSpPr>
-        <p:cNvPr id="1" name=""/>
-        <p:cNvGrpSpPr/>
-        <p:nvPr/>
-      </p:nvGrpSpPr>
-      <p:grpSpPr>
-        <a:xfrm>
-          <a:off x="0" y="0"/>
-          <a:ext cx="0" cy="0"/>
-          <a:chOff x="0" y="0"/>
-          <a:chExt cx="0" cy="0"/>
-        </a:xfrm>
-      </p:grpSpPr>
-      <p:sp>
-        <p:nvSpPr>
-          <p:cNvPr id="2" name="标题 1"/>
-          <p:cNvSpPr>
-            <a:spLocks noGrp="1"/>
-          </p:cNvSpPr>
-          <p:nvPr>
-            <p:ph type="title"/>
-          </p:nvPr>
-        </p:nvSpPr>
-        <p:spPr/>
-        <p:txBody>
-          <a:bodyPr>
-            <a:normAutofit/>
-          </a:bodyPr>
-          <a:lstStyle/>
-          <a:p>
-            <a:r>
-              <a:rPr lang="en-US" altLang="zh-CN" sz="8000" b="1" dirty="0" smtClean="0">
-                <a:solidFill>
-                  <a:schemeClr val="tx2">
-                    <a:lumMod val="60000"/>
-                    <a:lumOff val="40000"/>
-                  </a:schemeClr>
-                </a:solidFill>
-              </a:rPr>
-              <a:t>Hack 1:</a:t>
-            </a:r>
-            <a:endParaRPr lang="zh-CN" altLang="en-US" sz="8000" b="1" dirty="0">
-              <a:solidFill>
-                <a:schemeClr val="tx2">
-                  <a:lumMod val="60000"/>
-                  <a:lumOff val="40000"/>
-                </a:schemeClr>
-              </a:solidFill>
-            </a:endParaRPr>
-          </a:p>
-        </p:txBody>
-      </p:sp>
-      <p:sp>
-        <p:nvSpPr>
-          <p:cNvPr id="4" name="文本框 3"/>
-          <p:cNvSpPr txBox="1"/>
-          <p:nvPr/>
-        </p:nvSpPr>
-        <p:spPr>
-          <a:xfrm>
-            <a:off x="838200" y="1928191"/>
-            <a:ext cx="10949609" cy="707886"/>
-          </a:xfrm>
-          <a:prstGeom prst="rect">
-            <a:avLst/>
-          </a:prstGeom>
-          <a:noFill/>
-        </p:spPr>
-        <p:txBody>
-          <a:bodyPr wrap="square" rtlCol="0">
-            <a:spAutoFit/>
-          </a:bodyPr>
-          <a:lstStyle>
-            <a:defPPr>
-              <a:defRPr lang="zh-CN"/>
-            </a:defPPr>
-            <a:lvl1pPr>
-              <a:defRPr sz="4000" b="1">
-                <a:solidFill>
-                  <a:schemeClr val="tx2">
-                    <a:lumMod val="60000"/>
-                    <a:lumOff val="40000"/>
-                  </a:schemeClr>
-                </a:solidFill>
-              </a:defRPr>
-            </a:lvl1pPr>
-          </a:lstStyle>
-          <a:p>
-            <a:r>
-              <a:rPr lang="en-US" altLang="zh-CN" dirty="0" err="1" smtClean="0"/>
-              <a:t>Async</a:t>
-            </a:r>
-            <a:r>
-              <a:rPr lang="en-US" altLang="zh-CN" dirty="0" smtClean="0"/>
-              <a:t>: wait </a:t>
-            </a:r>
-            <a:r>
-              <a:rPr lang="en-US" altLang="zh-CN" dirty="0"/>
-              <a:t>until a page is fully loaded</a:t>
-            </a:r>
-            <a:endParaRPr lang="zh-CN" altLang="en-US" dirty="0"/>
-          </a:p>
-        </p:txBody>
-      </p:sp>
-    </p:spTree>
-    <p:extLst>
-      <p:ext uri="{BB962C8B-B14F-4D97-AF65-F5344CB8AC3E}">
-        <p14:creationId xmlns:p14="http://schemas.microsoft.com/office/powerpoint/2010/main" val="4008384238"/>
-      </p:ext>
-    </p:extLst>
-  </p:cSld>
-  <p:clrMapOvr>
-    <a:masterClrMapping/>
-  </p:clrMapOvr>
-  <p:timing>
-    <p:tnLst>
-      <p:par>
-        <p:cTn id="1" dur="indefinite" restart="never" nodeType="tmRoot"/>
-      </p:par>
-    </p:tnLst>
-  </p:timing>
-</p:sld>
-</file>
-
-<file path=ppt/slides/slide5.xml><?xml version="1.0" encoding="utf-8"?>
-<p:sld xmlns:a="http://schemas.openxmlformats.org/drawingml/2006/main" xmlns:r="http://schemas.openxmlformats.org/officeDocument/2006/relationships" xmlns:p="http://schemas.openxmlformats.org/presentationml/2006/main">
-  <p:cSld>
-    <p:spTree>
-      <p:nvGrpSpPr>
-        <p:cNvPr id="1" name=""/>
-        <p:cNvGrpSpPr/>
-        <p:nvPr/>
-      </p:nvGrpSpPr>
-      <p:grpSpPr>
-        <a:xfrm>
-          <a:off x="0" y="0"/>
-          <a:ext cx="0" cy="0"/>
-          <a:chOff x="0" y="0"/>
-          <a:chExt cx="0" cy="0"/>
-        </a:xfrm>
-      </p:grpSpPr>
-      <p:sp>
-        <p:nvSpPr>
-          <p:cNvPr id="2" name="标题 1"/>
-          <p:cNvSpPr>
-            <a:spLocks noGrp="1"/>
-          </p:cNvSpPr>
-          <p:nvPr>
-            <p:ph type="title"/>
-          </p:nvPr>
-        </p:nvSpPr>
-        <p:spPr/>
-        <p:txBody>
-          <a:bodyPr>
-            <a:normAutofit/>
-          </a:bodyPr>
-          <a:lstStyle/>
-          <a:p>
-            <a:r>
-              <a:rPr lang="en-US" altLang="zh-CN" sz="8000" b="1" dirty="0" smtClean="0">
-                <a:solidFill>
-                  <a:schemeClr val="tx2">
-                    <a:lumMod val="60000"/>
-                    <a:lumOff val="40000"/>
-                  </a:schemeClr>
-                </a:solidFill>
-              </a:rPr>
-              <a:t>Hack 2: </a:t>
-            </a:r>
-            <a:endParaRPr lang="zh-CN" altLang="en-US" sz="8000" b="1" dirty="0">
-              <a:solidFill>
-                <a:schemeClr val="tx2">
-                  <a:lumMod val="60000"/>
-                  <a:lumOff val="40000"/>
-                </a:schemeClr>
-              </a:solidFill>
-            </a:endParaRPr>
-          </a:p>
-        </p:txBody>
-      </p:sp>
-      <p:sp>
-        <p:nvSpPr>
-          <p:cNvPr id="4" name="文本框 3"/>
-          <p:cNvSpPr txBox="1"/>
-          <p:nvPr/>
-        </p:nvSpPr>
-        <p:spPr>
-          <a:xfrm>
-            <a:off x="838200" y="1841242"/>
-            <a:ext cx="11605591" cy="5016758"/>
-          </a:xfrm>
-          <a:prstGeom prst="rect">
-            <a:avLst/>
-          </a:prstGeom>
-          <a:noFill/>
-        </p:spPr>
-        <p:txBody>
-          <a:bodyPr wrap="square" rtlCol="0">
-            <a:spAutoFit/>
-          </a:bodyPr>
-          <a:lstStyle>
-            <a:defPPr>
-              <a:defRPr lang="zh-CN"/>
-            </a:defPPr>
-            <a:lvl1pPr>
-              <a:defRPr sz="4000" b="1">
-                <a:solidFill>
-                  <a:schemeClr val="tx2">
-                    <a:lumMod val="60000"/>
-                    <a:lumOff val="40000"/>
-                  </a:schemeClr>
-                </a:solidFill>
-              </a:defRPr>
-            </a:lvl1pPr>
-          </a:lstStyle>
-          <a:p>
-            <a:r>
-              <a:rPr lang="en-US" altLang="zh-CN" dirty="0" smtClean="0"/>
-              <a:t>Avoid placing order in a usual way:</a:t>
-            </a:r>
-          </a:p>
-          <a:p>
-            <a:r>
-              <a:rPr lang="en-US" altLang="zh-CN" b="0" dirty="0" smtClean="0"/>
-              <a:t>loads </a:t>
-            </a:r>
-            <a:r>
-              <a:rPr lang="en-US" altLang="zh-CN" b="0" dirty="0"/>
-              <a:t>of JS ,</a:t>
-            </a:r>
-            <a:r>
-              <a:rPr lang="en-US" altLang="zh-CN" b="0" dirty="0" smtClean="0"/>
-              <a:t>hard </a:t>
-            </a:r>
-            <a:r>
-              <a:rPr lang="en-US" altLang="zh-CN" b="0" dirty="0"/>
-              <a:t>to do </a:t>
-            </a:r>
-            <a:r>
-              <a:rPr lang="en-US" altLang="zh-CN" b="0" dirty="0" smtClean="0"/>
-              <a:t>automation e.g. popup window</a:t>
-            </a:r>
-            <a:endParaRPr lang="en-US" altLang="zh-CN" b="0" dirty="0"/>
-          </a:p>
-          <a:p>
-            <a:endParaRPr lang="en-US" altLang="zh-CN" dirty="0" smtClean="0"/>
-          </a:p>
-          <a:p>
-            <a:r>
-              <a:rPr lang="en-US" altLang="zh-CN" dirty="0" smtClean="0"/>
-              <a:t>Tried Seamless mobile:</a:t>
-            </a:r>
-          </a:p>
-          <a:p>
-            <a:r>
-              <a:rPr lang="en-US" altLang="zh-CN" b="0" dirty="0" smtClean="0"/>
-              <a:t>all </a:t>
-            </a:r>
-            <a:r>
-              <a:rPr lang="en-US" altLang="zh-CN" b="0" dirty="0"/>
-              <a:t>links</a:t>
-            </a:r>
-            <a:r>
-              <a:rPr lang="en-US" altLang="zh-CN" b="0" dirty="0" smtClean="0"/>
-              <a:t>, not </a:t>
-            </a:r>
-            <a:r>
-              <a:rPr lang="en-US" altLang="zh-CN" b="0" dirty="0"/>
-              <a:t>so many JS </a:t>
-            </a:r>
-            <a:r>
-              <a:rPr lang="en-US" altLang="zh-CN" b="0" dirty="0" smtClean="0"/>
-              <a:t>interactions</a:t>
-            </a:r>
-            <a:endParaRPr lang="en-US" altLang="zh-CN" b="0" dirty="0"/>
-          </a:p>
-          <a:p>
-            <a:endParaRPr lang="en-US" altLang="zh-CN" dirty="0" smtClean="0"/>
-          </a:p>
-          <a:p>
-            <a:r>
-              <a:rPr lang="en-US" altLang="zh-CN" dirty="0" smtClean="0"/>
-              <a:t>Final </a:t>
-            </a:r>
-            <a:r>
-              <a:rPr lang="en-US" altLang="zh-CN" dirty="0"/>
-              <a:t>solution:</a:t>
-            </a:r>
-          </a:p>
-          <a:p>
-            <a:r>
-              <a:rPr lang="en-US" altLang="zh-CN" b="0" dirty="0" smtClean="0"/>
-              <a:t>add </a:t>
-            </a:r>
-            <a:r>
-              <a:rPr lang="en-US" altLang="zh-CN" b="0" dirty="0"/>
-              <a:t>to </a:t>
-            </a:r>
-            <a:r>
-              <a:rPr lang="en-US" altLang="zh-CN" b="0" dirty="0" err="1"/>
-              <a:t>favourites,get</a:t>
-            </a:r>
-            <a:r>
-              <a:rPr lang="en-US" altLang="zh-CN" b="0" dirty="0"/>
-              <a:t> </a:t>
-            </a:r>
-            <a:r>
-              <a:rPr lang="en-US" altLang="zh-CN" b="0" dirty="0" err="1"/>
-              <a:t>ids,place</a:t>
-            </a:r>
-            <a:r>
-              <a:rPr lang="en-US" altLang="zh-CN" b="0" dirty="0"/>
-              <a:t> the order</a:t>
-            </a:r>
-            <a:endParaRPr lang="en-US" altLang="zh-CN" b="0" dirty="0" smtClean="0"/>
-          </a:p>
-        </p:txBody>
-      </p:sp>
-    </p:spTree>
-    <p:extLst>
-      <p:ext uri="{BB962C8B-B14F-4D97-AF65-F5344CB8AC3E}">
-        <p14:creationId xmlns:p14="http://schemas.microsoft.com/office/powerpoint/2010/main" val="3650048239"/>
-      </p:ext>
-    </p:extLst>
-  </p:cSld>
-  <p:clrMapOvr>
-    <a:masterClrMapping/>
-  </p:clrMapOvr>
-  <p:timing>
-    <p:tnLst>
-      <p:par>
-        <p:cTn id="1" dur="indefinite" restart="never" nodeType="tmRoot"/>
-      </p:par>
-    </p:tnLst>
-  </p:timing>
-</p:sld>
-</file>
-
-<file path=ppt/slides/slide6.xml><?xml version="1.0" encoding="utf-8"?>
-<p:sld xmlns:a="http://schemas.openxmlformats.org/drawingml/2006/main" xmlns:r="http://schemas.openxmlformats.org/officeDocument/2006/relationships" xmlns:p="http://schemas.openxmlformats.org/presentationml/2006/main">
-  <p:cSld>
-    <p:spTree>
-      <p:nvGrpSpPr>
-        <p:cNvPr id="1" name=""/>
-        <p:cNvGrpSpPr/>
-        <p:nvPr/>
-      </p:nvGrpSpPr>
-      <p:grpSpPr>
-        <a:xfrm>
-          <a:off x="0" y="0"/>
-          <a:ext cx="0" cy="0"/>
-          <a:chOff x="0" y="0"/>
-          <a:chExt cx="0" cy="0"/>
-        </a:xfrm>
-      </p:grpSpPr>
-      <p:sp>
-        <p:nvSpPr>
-          <p:cNvPr id="2" name="标题 1"/>
-          <p:cNvSpPr>
-            <a:spLocks noGrp="1"/>
-          </p:cNvSpPr>
-          <p:nvPr>
-            <p:ph type="title"/>
-          </p:nvPr>
-        </p:nvSpPr>
-        <p:spPr/>
-        <p:txBody>
-          <a:bodyPr>
-            <a:normAutofit/>
-          </a:bodyPr>
-          <a:lstStyle/>
-          <a:p>
-            <a:r>
-              <a:rPr lang="en-US" altLang="zh-CN" sz="8000" b="1" dirty="0" smtClean="0">
-                <a:solidFill>
-                  <a:schemeClr val="tx2">
-                    <a:lumMod val="60000"/>
-                    <a:lumOff val="40000"/>
-                  </a:schemeClr>
-                </a:solidFill>
-              </a:rPr>
-              <a:t>Hack 3: </a:t>
-            </a:r>
-            <a:endParaRPr lang="zh-CN" altLang="en-US" sz="8000" b="1" dirty="0">
-              <a:solidFill>
-                <a:schemeClr val="tx2">
-                  <a:lumMod val="60000"/>
-                  <a:lumOff val="40000"/>
-                </a:schemeClr>
-              </a:solidFill>
-            </a:endParaRPr>
-          </a:p>
-        </p:txBody>
-      </p:sp>
-      <p:sp>
-        <p:nvSpPr>
-          <p:cNvPr id="4" name="文本框 3"/>
-          <p:cNvSpPr txBox="1"/>
-          <p:nvPr/>
-        </p:nvSpPr>
-        <p:spPr>
-          <a:xfrm>
-            <a:off x="838200" y="1928191"/>
-            <a:ext cx="11605591" cy="3170099"/>
-          </a:xfrm>
-          <a:prstGeom prst="rect">
-            <a:avLst/>
-          </a:prstGeom>
-          <a:noFill/>
-        </p:spPr>
-        <p:txBody>
-          <a:bodyPr wrap="square" rtlCol="0">
-            <a:spAutoFit/>
-          </a:bodyPr>
-          <a:lstStyle>
-            <a:defPPr>
-              <a:defRPr lang="zh-CN"/>
-            </a:defPPr>
-            <a:lvl1pPr>
-              <a:defRPr sz="4000" b="1">
-                <a:solidFill>
-                  <a:schemeClr val="tx2">
-                    <a:lumMod val="60000"/>
-                    <a:lumOff val="40000"/>
-                  </a:schemeClr>
-                </a:solidFill>
-              </a:defRPr>
-            </a:lvl1pPr>
-          </a:lstStyle>
-          <a:p>
-            <a:r>
-              <a:rPr lang="en-US" altLang="zh-CN" dirty="0" smtClean="0"/>
-              <a:t>Working on Thursday:</a:t>
-            </a:r>
-          </a:p>
-          <a:p>
-            <a:endParaRPr lang="en-US" altLang="zh-CN" b="0" dirty="0" smtClean="0"/>
-          </a:p>
-          <a:p>
-            <a:r>
-              <a:rPr lang="en-US" altLang="zh-CN" b="0" dirty="0" smtClean="0"/>
-              <a:t>When </a:t>
-            </a:r>
-            <a:r>
-              <a:rPr lang="en-US" altLang="zh-CN" b="0" dirty="0"/>
-              <a:t>ordering is closed</a:t>
-            </a:r>
-            <a:r>
-              <a:rPr lang="en-US" altLang="zh-CN" b="0" dirty="0" smtClean="0"/>
-              <a:t>!</a:t>
-            </a:r>
-          </a:p>
-          <a:p>
-            <a:endParaRPr lang="en-US" altLang="zh-CN" b="0" dirty="0"/>
-          </a:p>
-          <a:p>
-            <a:endParaRPr lang="en-US" altLang="zh-CN" b="0" dirty="0" smtClean="0"/>
-          </a:p>
-        </p:txBody>
-      </p:sp>
-    </p:spTree>
-    <p:extLst>
-      <p:ext uri="{BB962C8B-B14F-4D97-AF65-F5344CB8AC3E}">
-        <p14:creationId xmlns:p14="http://schemas.microsoft.com/office/powerpoint/2010/main" val="2851218705"/>
       </p:ext>
     </p:extLst>
   </p:cSld>
@@ -3931,6 +4209,203 @@
           <a:lstStyle/>
           <a:p>
             <a:r>
+              <a:rPr lang="en-US" altLang="zh-CN" sz="8000" b="1" dirty="0">
+                <a:solidFill>
+                  <a:schemeClr val="tx2">
+                    <a:lumMod val="60000"/>
+                    <a:lumOff val="40000"/>
+                  </a:schemeClr>
+                </a:solidFill>
+              </a:rPr>
+              <a:t>Cracking Seamless</a:t>
+            </a:r>
+            <a:endParaRPr lang="zh-CN" altLang="en-US" sz="8000" b="1" dirty="0">
+              <a:solidFill>
+                <a:schemeClr val="tx2">
+                  <a:lumMod val="60000"/>
+                  <a:lumOff val="40000"/>
+                </a:schemeClr>
+              </a:solidFill>
+            </a:endParaRPr>
+          </a:p>
+        </p:txBody>
+      </p:sp>
+      <p:sp>
+        <p:nvSpPr>
+          <p:cNvPr id="4" name="文本框 3"/>
+          <p:cNvSpPr txBox="1"/>
+          <p:nvPr/>
+        </p:nvSpPr>
+        <p:spPr>
+          <a:xfrm>
+            <a:off x="838200" y="1928191"/>
+            <a:ext cx="10949609" cy="1323439"/>
+          </a:xfrm>
+          <a:prstGeom prst="rect">
+            <a:avLst/>
+          </a:prstGeom>
+          <a:noFill/>
+        </p:spPr>
+        <p:txBody>
+          <a:bodyPr wrap="square" rtlCol="0">
+            <a:spAutoFit/>
+          </a:bodyPr>
+          <a:lstStyle/>
+          <a:p>
+            <a:r>
+              <a:rPr lang="en-US" altLang="zh-CN" sz="4000" b="1" dirty="0" smtClean="0">
+                <a:solidFill>
+                  <a:schemeClr val="tx2">
+                    <a:lumMod val="60000"/>
+                    <a:lumOff val="40000"/>
+                  </a:schemeClr>
+                </a:solidFill>
+              </a:rPr>
+              <a:t>In </a:t>
+            </a:r>
+            <a:r>
+              <a:rPr lang="en-US" altLang="zh-CN" sz="4000" b="1" dirty="0">
+                <a:solidFill>
+                  <a:schemeClr val="tx2">
+                    <a:lumMod val="60000"/>
+                    <a:lumOff val="40000"/>
+                  </a:schemeClr>
+                </a:solidFill>
+              </a:rPr>
+              <a:t>code </a:t>
+            </a:r>
+            <a:r>
+              <a:rPr lang="en-US" altLang="zh-CN" sz="4000" b="1" dirty="0" smtClean="0">
+                <a:solidFill>
+                  <a:schemeClr val="tx2">
+                    <a:lumMod val="60000"/>
+                    <a:lumOff val="40000"/>
+                  </a:schemeClr>
+                </a:solidFill>
+              </a:rPr>
+              <a:t>level:</a:t>
+            </a:r>
+            <a:endParaRPr lang="zh-CN" altLang="en-US" sz="4000" b="1" dirty="0">
+              <a:solidFill>
+                <a:schemeClr val="tx2">
+                  <a:lumMod val="60000"/>
+                  <a:lumOff val="40000"/>
+                </a:schemeClr>
+              </a:solidFill>
+            </a:endParaRPr>
+          </a:p>
+          <a:p>
+            <a:r>
+              <a:rPr lang="en-US" altLang="zh-CN" sz="4000" b="1" dirty="0" smtClean="0">
+                <a:solidFill>
+                  <a:schemeClr val="tx2">
+                    <a:lumMod val="60000"/>
+                    <a:lumOff val="40000"/>
+                  </a:schemeClr>
+                </a:solidFill>
+                <a:latin typeface="+mj-lt"/>
+                <a:ea typeface="+mj-ea"/>
+                <a:cs typeface="+mj-cs"/>
+              </a:rPr>
+              <a:t>Figure </a:t>
+            </a:r>
+            <a:r>
+              <a:rPr lang="en-US" altLang="zh-CN" sz="4000" b="1" dirty="0">
+                <a:solidFill>
+                  <a:schemeClr val="tx2">
+                    <a:lumMod val="60000"/>
+                    <a:lumOff val="40000"/>
+                  </a:schemeClr>
+                </a:solidFill>
+                <a:latin typeface="+mj-lt"/>
+                <a:ea typeface="+mj-ea"/>
+                <a:cs typeface="+mj-cs"/>
+              </a:rPr>
+              <a:t>out how to </a:t>
+            </a:r>
+            <a:r>
+              <a:rPr lang="en-US" altLang="zh-CN" sz="4000" b="1" dirty="0" smtClean="0">
+                <a:solidFill>
+                  <a:schemeClr val="tx2">
+                    <a:lumMod val="60000"/>
+                    <a:lumOff val="40000"/>
+                  </a:schemeClr>
+                </a:solidFill>
+                <a:latin typeface="+mj-lt"/>
+                <a:ea typeface="+mj-ea"/>
+                <a:cs typeface="+mj-cs"/>
+              </a:rPr>
+              <a:t>login, place order, submit order</a:t>
+            </a:r>
+            <a:endParaRPr lang="zh-CN" altLang="en-US" sz="4000" b="1" dirty="0">
+              <a:solidFill>
+                <a:schemeClr val="tx2">
+                  <a:lumMod val="60000"/>
+                  <a:lumOff val="40000"/>
+                </a:schemeClr>
+              </a:solidFill>
+              <a:latin typeface="+mj-lt"/>
+              <a:ea typeface="+mj-ea"/>
+              <a:cs typeface="+mj-cs"/>
+            </a:endParaRPr>
+          </a:p>
+        </p:txBody>
+      </p:sp>
+    </p:spTree>
+    <p:extLst>
+      <p:ext uri="{BB962C8B-B14F-4D97-AF65-F5344CB8AC3E}">
+        <p14:creationId xmlns:p14="http://schemas.microsoft.com/office/powerpoint/2010/main" val="1780844100"/>
+      </p:ext>
+    </p:extLst>
+  </p:cSld>
+  <p:clrMapOvr>
+    <a:masterClrMapping/>
+  </p:clrMapOvr>
+  <p:timing>
+    <p:tnLst>
+      <p:par>
+        <p:cTn id="1" dur="indefinite" restart="never" nodeType="tmRoot"/>
+      </p:par>
+    </p:tnLst>
+  </p:timing>
+</p:sld>
+</file>
+
+<file path=ppt/slides/slide8.xml><?xml version="1.0" encoding="utf-8"?>
+<p:sld xmlns:a="http://schemas.openxmlformats.org/drawingml/2006/main" xmlns:r="http://schemas.openxmlformats.org/officeDocument/2006/relationships" xmlns:p="http://schemas.openxmlformats.org/presentationml/2006/main">
+  <p:cSld>
+    <p:spTree>
+      <p:nvGrpSpPr>
+        <p:cNvPr id="1" name=""/>
+        <p:cNvGrpSpPr/>
+        <p:nvPr/>
+      </p:nvGrpSpPr>
+      <p:grpSpPr>
+        <a:xfrm>
+          <a:off x="0" y="0"/>
+          <a:ext cx="0" cy="0"/>
+          <a:chOff x="0" y="0"/>
+          <a:chExt cx="0" cy="0"/>
+        </a:xfrm>
+      </p:grpSpPr>
+      <p:sp>
+        <p:nvSpPr>
+          <p:cNvPr id="2" name="标题 1"/>
+          <p:cNvSpPr>
+            <a:spLocks noGrp="1"/>
+          </p:cNvSpPr>
+          <p:nvPr>
+            <p:ph type="title"/>
+          </p:nvPr>
+        </p:nvSpPr>
+        <p:spPr/>
+        <p:txBody>
+          <a:bodyPr>
+            <a:normAutofit/>
+          </a:bodyPr>
+          <a:lstStyle/>
+          <a:p>
+            <a:r>
               <a:rPr lang="en-US" altLang="zh-CN" sz="8000" b="1" dirty="0" smtClean="0">
                 <a:solidFill>
                   <a:schemeClr val="tx2">
@@ -3939,7 +4414,7 @@
                   </a:schemeClr>
                 </a:solidFill>
               </a:rPr>
-              <a:t>Demo</a:t>
+              <a:t>Hack 1:</a:t>
             </a:r>
             <a:endParaRPr lang="zh-CN" altLang="en-US" sz="8000" b="1" dirty="0">
               <a:solidFill>
@@ -3952,10 +4427,298 @@
           </a:p>
         </p:txBody>
       </p:sp>
+      <p:sp>
+        <p:nvSpPr>
+          <p:cNvPr id="4" name="文本框 3"/>
+          <p:cNvSpPr txBox="1"/>
+          <p:nvPr/>
+        </p:nvSpPr>
+        <p:spPr>
+          <a:xfrm>
+            <a:off x="838200" y="1928191"/>
+            <a:ext cx="10949609" cy="707886"/>
+          </a:xfrm>
+          <a:prstGeom prst="rect">
+            <a:avLst/>
+          </a:prstGeom>
+          <a:noFill/>
+        </p:spPr>
+        <p:txBody>
+          <a:bodyPr wrap="square" rtlCol="0">
+            <a:spAutoFit/>
+          </a:bodyPr>
+          <a:lstStyle>
+            <a:defPPr>
+              <a:defRPr lang="zh-CN"/>
+            </a:defPPr>
+            <a:lvl1pPr>
+              <a:defRPr sz="4000" b="1">
+                <a:solidFill>
+                  <a:schemeClr val="tx2">
+                    <a:lumMod val="60000"/>
+                    <a:lumOff val="40000"/>
+                  </a:schemeClr>
+                </a:solidFill>
+              </a:defRPr>
+            </a:lvl1pPr>
+          </a:lstStyle>
+          <a:p>
+            <a:r>
+              <a:rPr lang="en-US" altLang="zh-CN" dirty="0" err="1" smtClean="0"/>
+              <a:t>Async</a:t>
+            </a:r>
+            <a:r>
+              <a:rPr lang="en-US" altLang="zh-CN" dirty="0" smtClean="0"/>
+              <a:t>: wait </a:t>
+            </a:r>
+            <a:r>
+              <a:rPr lang="en-US" altLang="zh-CN" dirty="0"/>
+              <a:t>until a page is fully </a:t>
+            </a:r>
+            <a:r>
+              <a:rPr lang="en-US" altLang="zh-CN" dirty="0" smtClean="0"/>
+              <a:t>loaded</a:t>
+            </a:r>
+          </a:p>
+        </p:txBody>
+      </p:sp>
+      <p:pic>
+        <p:nvPicPr>
+          <p:cNvPr id="1026" name="Picture 2"/>
+          <p:cNvPicPr>
+            <a:picLocks noChangeAspect="1" noChangeArrowheads="1"/>
+          </p:cNvPicPr>
+          <p:nvPr/>
+        </p:nvPicPr>
+        <p:blipFill>
+          <a:blip r:embed="rId2">
+            <a:extLst>
+              <a:ext uri="{28A0092B-C50C-407E-A947-70E740481C1C}">
+                <a14:useLocalDpi xmlns:a14="http://schemas.microsoft.com/office/drawing/2010/main" val="0"/>
+              </a:ext>
+            </a:extLst>
+          </a:blip>
+          <a:srcRect/>
+          <a:stretch>
+            <a:fillRect/>
+          </a:stretch>
+        </p:blipFill>
+        <p:spPr bwMode="auto">
+          <a:xfrm>
+            <a:off x="936103" y="3387243"/>
+            <a:ext cx="5638318" cy="2853821"/>
+          </a:xfrm>
+          <a:prstGeom prst="rect">
+            <a:avLst/>
+          </a:prstGeom>
+          <a:noFill/>
+          <a:ln>
+            <a:noFill/>
+          </a:ln>
+          <a:extLst>
+            <a:ext uri="{909E8E84-426E-40DD-AFC4-6F175D3DCCD1}">
+              <a14:hiddenFill xmlns:a14="http://schemas.microsoft.com/office/drawing/2010/main">
+                <a:solidFill>
+                  <a:schemeClr val="accent1"/>
+                </a:solidFill>
+              </a14:hiddenFill>
+            </a:ext>
+            <a:ext uri="{91240B29-F687-4F45-9708-019B960494DF}">
+              <a14:hiddenLine xmlns:a14="http://schemas.microsoft.com/office/drawing/2010/main" w="9525">
+                <a:solidFill>
+                  <a:schemeClr val="tx1"/>
+                </a:solidFill>
+                <a:miter lim="800000"/>
+                <a:headEnd/>
+                <a:tailEnd/>
+              </a14:hiddenLine>
+            </a:ext>
+          </a:extLst>
+        </p:spPr>
+      </p:pic>
     </p:spTree>
     <p:extLst>
       <p:ext uri="{BB962C8B-B14F-4D97-AF65-F5344CB8AC3E}">
-        <p14:creationId xmlns:p14="http://schemas.microsoft.com/office/powerpoint/2010/main" val="2117103058"/>
+        <p14:creationId xmlns:p14="http://schemas.microsoft.com/office/powerpoint/2010/main" val="4008384238"/>
+      </p:ext>
+    </p:extLst>
+  </p:cSld>
+  <p:clrMapOvr>
+    <a:masterClrMapping/>
+  </p:clrMapOvr>
+  <p:timing>
+    <p:tnLst>
+      <p:par>
+        <p:cTn id="1" dur="indefinite" restart="never" nodeType="tmRoot"/>
+      </p:par>
+    </p:tnLst>
+  </p:timing>
+</p:sld>
+</file>
+
+<file path=ppt/slides/slide9.xml><?xml version="1.0" encoding="utf-8"?>
+<p:sld xmlns:a="http://schemas.openxmlformats.org/drawingml/2006/main" xmlns:r="http://schemas.openxmlformats.org/officeDocument/2006/relationships" xmlns:p="http://schemas.openxmlformats.org/presentationml/2006/main">
+  <p:cSld>
+    <p:spTree>
+      <p:nvGrpSpPr>
+        <p:cNvPr id="1" name=""/>
+        <p:cNvGrpSpPr/>
+        <p:nvPr/>
+      </p:nvGrpSpPr>
+      <p:grpSpPr>
+        <a:xfrm>
+          <a:off x="0" y="0"/>
+          <a:ext cx="0" cy="0"/>
+          <a:chOff x="0" y="0"/>
+          <a:chExt cx="0" cy="0"/>
+        </a:xfrm>
+      </p:grpSpPr>
+      <p:sp>
+        <p:nvSpPr>
+          <p:cNvPr id="2" name="标题 1"/>
+          <p:cNvSpPr>
+            <a:spLocks noGrp="1"/>
+          </p:cNvSpPr>
+          <p:nvPr>
+            <p:ph type="title"/>
+          </p:nvPr>
+        </p:nvSpPr>
+        <p:spPr/>
+        <p:txBody>
+          <a:bodyPr>
+            <a:normAutofit/>
+          </a:bodyPr>
+          <a:lstStyle/>
+          <a:p>
+            <a:r>
+              <a:rPr lang="en-US" altLang="zh-CN" sz="8000" b="1" dirty="0" smtClean="0">
+                <a:solidFill>
+                  <a:schemeClr val="tx2">
+                    <a:lumMod val="60000"/>
+                    <a:lumOff val="40000"/>
+                  </a:schemeClr>
+                </a:solidFill>
+              </a:rPr>
+              <a:t>Hack 2: </a:t>
+            </a:r>
+            <a:endParaRPr lang="zh-CN" altLang="en-US" sz="8000" b="1" dirty="0">
+              <a:solidFill>
+                <a:schemeClr val="tx2">
+                  <a:lumMod val="60000"/>
+                  <a:lumOff val="40000"/>
+                </a:schemeClr>
+              </a:solidFill>
+            </a:endParaRPr>
+          </a:p>
+        </p:txBody>
+      </p:sp>
+      <p:sp>
+        <p:nvSpPr>
+          <p:cNvPr id="4" name="文本框 3"/>
+          <p:cNvSpPr txBox="1"/>
+          <p:nvPr/>
+        </p:nvSpPr>
+        <p:spPr>
+          <a:xfrm>
+            <a:off x="838200" y="1841242"/>
+            <a:ext cx="11605591" cy="3170099"/>
+          </a:xfrm>
+          <a:prstGeom prst="rect">
+            <a:avLst/>
+          </a:prstGeom>
+          <a:noFill/>
+        </p:spPr>
+        <p:txBody>
+          <a:bodyPr wrap="square" rtlCol="0">
+            <a:spAutoFit/>
+          </a:bodyPr>
+          <a:lstStyle>
+            <a:defPPr>
+              <a:defRPr lang="zh-CN"/>
+            </a:defPPr>
+            <a:lvl1pPr>
+              <a:defRPr sz="4000" b="1">
+                <a:solidFill>
+                  <a:schemeClr val="tx2">
+                    <a:lumMod val="60000"/>
+                    <a:lumOff val="40000"/>
+                  </a:schemeClr>
+                </a:solidFill>
+              </a:defRPr>
+            </a:lvl1pPr>
+          </a:lstStyle>
+          <a:p>
+            <a:r>
+              <a:rPr lang="en-US" altLang="zh-CN" dirty="0" smtClean="0"/>
+              <a:t>Avoid placing order in a usual way:</a:t>
+            </a:r>
+          </a:p>
+          <a:p>
+            <a:r>
+              <a:rPr lang="en-US" altLang="zh-CN" b="0" dirty="0" smtClean="0"/>
+              <a:t>loads </a:t>
+            </a:r>
+            <a:r>
+              <a:rPr lang="en-US" altLang="zh-CN" b="0" dirty="0"/>
+              <a:t>of </a:t>
+            </a:r>
+            <a:r>
+              <a:rPr lang="en-US" altLang="zh-CN" b="0" dirty="0" smtClean="0"/>
+              <a:t>JS, hard </a:t>
+            </a:r>
+            <a:r>
+              <a:rPr lang="en-US" altLang="zh-CN" b="0" dirty="0"/>
+              <a:t>to do </a:t>
+            </a:r>
+            <a:r>
+              <a:rPr lang="en-US" altLang="zh-CN" b="0" dirty="0" smtClean="0"/>
+              <a:t>automation e.g. popup window</a:t>
+            </a:r>
+            <a:endParaRPr lang="en-US" altLang="zh-CN" b="0" dirty="0"/>
+          </a:p>
+          <a:p>
+            <a:endParaRPr lang="en-US" altLang="zh-CN" dirty="0" smtClean="0"/>
+          </a:p>
+          <a:p>
+            <a:r>
+              <a:rPr lang="en-US" altLang="zh-CN" dirty="0" smtClean="0"/>
+              <a:t>Work around:</a:t>
+            </a:r>
+            <a:endParaRPr lang="en-US" altLang="zh-CN" dirty="0"/>
+          </a:p>
+          <a:p>
+            <a:r>
+              <a:rPr lang="en-US" altLang="zh-CN" b="0" dirty="0" smtClean="0"/>
+              <a:t>add </a:t>
+            </a:r>
+            <a:r>
+              <a:rPr lang="en-US" altLang="zh-CN" b="0" dirty="0"/>
+              <a:t>to </a:t>
+            </a:r>
+            <a:r>
+              <a:rPr lang="en-US" altLang="zh-CN" b="0" dirty="0" smtClean="0"/>
+              <a:t>favorites, get </a:t>
+            </a:r>
+            <a:r>
+              <a:rPr lang="en-US" altLang="zh-CN" b="0" dirty="0"/>
+              <a:t>ids</a:t>
+            </a:r>
+            <a:r>
+              <a:rPr lang="en-US" altLang="zh-CN" b="0" dirty="0" smtClean="0"/>
+              <a:t>, place </a:t>
+            </a:r>
+            <a:r>
+              <a:rPr lang="en-US" altLang="zh-CN" b="0" dirty="0"/>
+              <a:t>the order</a:t>
+            </a:r>
+            <a:endParaRPr lang="en-US" altLang="zh-CN" b="0" dirty="0" smtClean="0"/>
+          </a:p>
+        </p:txBody>
+      </p:sp>
+    </p:spTree>
+    <p:extLst>
+      <p:ext uri="{BB962C8B-B14F-4D97-AF65-F5344CB8AC3E}">
+        <p14:creationId xmlns:p14="http://schemas.microsoft.com/office/powerpoint/2010/main" val="3650048239"/>
       </p:ext>
     </p:extLst>
   </p:cSld>
@@ -4227,7 +4990,7 @@
   <a:extraClrSchemeLst/>
   <a:extLst>
     <a:ext uri="{05A4C25C-085E-4340-85A3-A5531E510DB2}">
-      <thm15:themeFamily xmlns:thm15="http://schemas.microsoft.com/office/thememl/2012/main" name="Office Theme" id="{62F939B6-93AF-4DB8-9C6B-D6C7DFDC589F}" vid="{4A3C46E8-61CC-4603-A589-7422A47A8E4A}"/>
+      <thm15:themeFamily xmlns="" xmlns:thm15="http://schemas.microsoft.com/office/thememl/2012/main" name="Office Theme" id="{62F939B6-93AF-4DB8-9C6B-D6C7DFDC589F}" vid="{4A3C46E8-61CC-4603-A589-7422A47A8E4A}"/>
     </a:ext>
   </a:extLst>
 </a:theme>

--- a/SeamsGood.pptx
+++ b/SeamsGood.pptx
@@ -3476,18 +3476,7 @@
                   </a:schemeClr>
                 </a:solidFill>
               </a:rPr>
-              <a:t>Hack </a:t>
-            </a:r>
-            <a:r>
-              <a:rPr lang="en-US" altLang="zh-CN" sz="8000" b="1" dirty="0" smtClean="0">
-                <a:solidFill>
-                  <a:schemeClr val="tx2">
-                    <a:lumMod val="60000"/>
-                    <a:lumOff val="40000"/>
-                  </a:schemeClr>
-                </a:solidFill>
-              </a:rPr>
-              <a:t>4: </a:t>
+              <a:t>Hack 4: </a:t>
             </a:r>
             <a:endParaRPr lang="zh-CN" altLang="en-US" sz="8000" b="1" dirty="0">
               <a:solidFill>
@@ -3575,8 +3564,47 @@
         </p:blipFill>
         <p:spPr bwMode="auto">
           <a:xfrm>
-            <a:off x="4017822" y="2636077"/>
+            <a:off x="7136130" y="3591286"/>
             <a:ext cx="3385466" cy="2888932"/>
+          </a:xfrm>
+          <a:prstGeom prst="rect">
+            <a:avLst/>
+          </a:prstGeom>
+          <a:noFill/>
+          <a:extLst>
+            <a:ext uri="{909E8E84-426E-40DD-AFC4-6F175D3DCCD1}">
+              <a14:hiddenFill xmlns:a14="http://schemas.microsoft.com/office/drawing/2010/main">
+                <a:solidFill>
+                  <a:srgbClr val="FFFFFF"/>
+                </a:solidFill>
+              </a14:hiddenFill>
+            </a:ext>
+          </a:extLst>
+        </p:spPr>
+      </p:pic>
+      <p:pic>
+        <p:nvPicPr>
+          <p:cNvPr id="1026" name="Picture 2" descr="C:\Users\mizhang\Desktop\IMG_9132.JPG"/>
+          <p:cNvPicPr>
+            <a:picLocks noChangeAspect="1" noChangeArrowheads="1"/>
+          </p:cNvPicPr>
+          <p:nvPr/>
+        </p:nvPicPr>
+        <p:blipFill rotWithShape="1">
+          <a:blip r:embed="rId3" cstate="print">
+            <a:extLst>
+              <a:ext uri="{28A0092B-C50C-407E-A947-70E740481C1C}">
+                <a14:useLocalDpi xmlns:a14="http://schemas.microsoft.com/office/drawing/2010/main" val="0"/>
+              </a:ext>
+            </a:extLst>
+          </a:blip>
+          <a:srcRect t="23000" b="13667"/>
+          <a:stretch/>
+        </p:blipFill>
+        <p:spPr bwMode="auto">
+          <a:xfrm>
+            <a:off x="1508760" y="2800123"/>
+            <a:ext cx="4530090" cy="3825409"/>
           </a:xfrm>
           <a:prstGeom prst="rect">
             <a:avLst/>
@@ -3606,7 +3634,75 @@
   <p:timing>
     <p:tnLst>
       <p:par>
-        <p:cTn id="1" dur="indefinite" restart="never" nodeType="tmRoot"/>
+        <p:cTn id="1" dur="indefinite" restart="never" nodeType="tmRoot">
+          <p:childTnLst>
+            <p:seq concurrent="1" nextAc="seek">
+              <p:cTn id="2" dur="indefinite" nodeType="mainSeq">
+                <p:childTnLst>
+                  <p:par>
+                    <p:cTn id="3" fill="hold">
+                      <p:stCondLst>
+                        <p:cond delay="indefinite"/>
+                      </p:stCondLst>
+                      <p:childTnLst>
+                        <p:par>
+                          <p:cTn id="4" fill="hold">
+                            <p:stCondLst>
+                              <p:cond delay="0"/>
+                            </p:stCondLst>
+                            <p:childTnLst>
+                              <p:par>
+                                <p:cTn id="5" presetID="1" presetClass="entr" presetSubtype="0" fill="hold" nodeType="clickEffect">
+                                  <p:stCondLst>
+                                    <p:cond delay="0"/>
+                                  </p:stCondLst>
+                                  <p:childTnLst>
+                                    <p:set>
+                                      <p:cBhvr>
+                                        <p:cTn id="6" dur="1" fill="hold">
+                                          <p:stCondLst>
+                                            <p:cond delay="0"/>
+                                          </p:stCondLst>
+                                        </p:cTn>
+                                        <p:tgtEl>
+                                          <p:spTgt spid="5"/>
+                                        </p:tgtEl>
+                                        <p:attrNameLst>
+                                          <p:attrName>style.visibility</p:attrName>
+                                        </p:attrNameLst>
+                                      </p:cBhvr>
+                                      <p:to>
+                                        <p:strVal val="visible"/>
+                                      </p:to>
+                                    </p:set>
+                                  </p:childTnLst>
+                                </p:cTn>
+                              </p:par>
+                            </p:childTnLst>
+                          </p:cTn>
+                        </p:par>
+                      </p:childTnLst>
+                    </p:cTn>
+                  </p:par>
+                </p:childTnLst>
+              </p:cTn>
+              <p:prevCondLst>
+                <p:cond evt="onPrev" delay="0">
+                  <p:tgtEl>
+                    <p:sldTgt/>
+                  </p:tgtEl>
+                </p:cond>
+              </p:prevCondLst>
+              <p:nextCondLst>
+                <p:cond evt="onNext" delay="0">
+                  <p:tgtEl>
+                    <p:sldTgt/>
+                  </p:tgtEl>
+                </p:cond>
+              </p:nextCondLst>
+            </p:seq>
+          </p:childTnLst>
+        </p:cTn>
       </p:par>
     </p:tnLst>
   </p:timing>
@@ -3809,6 +3905,81 @@
           </a:extLst>
         </p:spPr>
       </p:pic>
+      <p:sp>
+        <p:nvSpPr>
+          <p:cNvPr id="2" name="Rectangle 1"/>
+          <p:cNvSpPr/>
+          <p:nvPr/>
+        </p:nvSpPr>
+        <p:spPr>
+          <a:xfrm>
+            <a:off x="2223526" y="2681556"/>
+            <a:ext cx="7791620" cy="1323439"/>
+          </a:xfrm>
+          <a:prstGeom prst="rect">
+            <a:avLst/>
+          </a:prstGeom>
+          <a:solidFill>
+            <a:schemeClr val="bg1">
+              <a:lumMod val="85000"/>
+            </a:schemeClr>
+          </a:solidFill>
+        </p:spPr>
+        <p:txBody>
+          <a:bodyPr wrap="none">
+            <a:spAutoFit/>
+          </a:bodyPr>
+          <a:lstStyle/>
+          <a:p>
+            <a:r>
+              <a:rPr lang="en-US" sz="4000" b="1" dirty="0">
+                <a:solidFill>
+                  <a:schemeClr val="accent1">
+                    <a:lumMod val="50000"/>
+                  </a:schemeClr>
+                </a:solidFill>
+              </a:rPr>
+              <a:t>We can help you to forget </a:t>
+            </a:r>
+            <a:endParaRPr lang="en-US" sz="4000" b="1" dirty="0" smtClean="0">
+              <a:solidFill>
+                <a:schemeClr val="accent1">
+                  <a:lumMod val="50000"/>
+                </a:schemeClr>
+              </a:solidFill>
+            </a:endParaRPr>
+          </a:p>
+          <a:p>
+            <a:r>
+              <a:rPr lang="en-US" sz="4000" b="1" dirty="0" smtClean="0">
+                <a:solidFill>
+                  <a:schemeClr val="accent1">
+                    <a:lumMod val="50000"/>
+                  </a:schemeClr>
+                </a:solidFill>
+              </a:rPr>
+              <a:t>the </a:t>
+            </a:r>
+            <a:r>
+              <a:rPr lang="en-US" sz="4000" b="1" dirty="0">
+                <a:solidFill>
+                  <a:schemeClr val="accent1">
+                    <a:lumMod val="50000"/>
+                  </a:schemeClr>
+                </a:solidFill>
+              </a:rPr>
+              <a:t>painful ordering from seamless!</a:t>
+            </a:r>
+            <a:endParaRPr lang="en-US" sz="4000" b="1" dirty="0">
+              <a:solidFill>
+                <a:schemeClr val="accent1">
+                  <a:lumMod val="50000"/>
+                </a:schemeClr>
+              </a:solidFill>
+            </a:endParaRPr>
+          </a:p>
+        </p:txBody>
+      </p:sp>
     </p:spTree>
     <p:extLst>
       <p:ext uri="{BB962C8B-B14F-4D97-AF65-F5344CB8AC3E}">
@@ -3822,9 +3993,80 @@
   <p:timing>
     <p:tnLst>
       <p:par>
-        <p:cTn id="1" dur="indefinite" restart="never" nodeType="tmRoot"/>
+        <p:cTn id="1" dur="indefinite" restart="never" nodeType="tmRoot">
+          <p:childTnLst>
+            <p:seq concurrent="1" nextAc="seek">
+              <p:cTn id="2" dur="indefinite" nodeType="mainSeq">
+                <p:childTnLst>
+                  <p:par>
+                    <p:cTn id="3" fill="hold">
+                      <p:stCondLst>
+                        <p:cond delay="indefinite"/>
+                      </p:stCondLst>
+                      <p:childTnLst>
+                        <p:par>
+                          <p:cTn id="4" fill="hold">
+                            <p:stCondLst>
+                              <p:cond delay="0"/>
+                            </p:stCondLst>
+                            <p:childTnLst>
+                              <p:par>
+                                <p:cTn id="5" presetID="1" presetClass="entr" presetSubtype="0" fill="hold" grpId="0" nodeType="clickEffect">
+                                  <p:stCondLst>
+                                    <p:cond delay="0"/>
+                                  </p:stCondLst>
+                                  <p:childTnLst>
+                                    <p:set>
+                                      <p:cBhvr>
+                                        <p:cTn id="6" dur="1" fill="hold">
+                                          <p:stCondLst>
+                                            <p:cond delay="0"/>
+                                          </p:stCondLst>
+                                        </p:cTn>
+                                        <p:tgtEl>
+                                          <p:spTgt spid="2"/>
+                                        </p:tgtEl>
+                                        <p:attrNameLst>
+                                          <p:attrName>style.visibility</p:attrName>
+                                        </p:attrNameLst>
+                                      </p:cBhvr>
+                                      <p:to>
+                                        <p:strVal val="visible"/>
+                                      </p:to>
+                                    </p:set>
+                                  </p:childTnLst>
+                                </p:cTn>
+                              </p:par>
+                            </p:childTnLst>
+                          </p:cTn>
+                        </p:par>
+                      </p:childTnLst>
+                    </p:cTn>
+                  </p:par>
+                </p:childTnLst>
+              </p:cTn>
+              <p:prevCondLst>
+                <p:cond evt="onPrev" delay="0">
+                  <p:tgtEl>
+                    <p:sldTgt/>
+                  </p:tgtEl>
+                </p:cond>
+              </p:prevCondLst>
+              <p:nextCondLst>
+                <p:cond evt="onNext" delay="0">
+                  <p:tgtEl>
+                    <p:sldTgt/>
+                  </p:tgtEl>
+                </p:cond>
+              </p:nextCondLst>
+            </p:seq>
+          </p:childTnLst>
+        </p:cTn>
       </p:par>
     </p:tnLst>
+    <p:bldLst>
+      <p:bldP spid="2" grpId="0" animBg="1"/>
+    </p:bldLst>
   </p:timing>
 </p:sld>
 </file>
@@ -4505,7 +4747,7 @@
         </p:blipFill>
         <p:spPr bwMode="auto">
           <a:xfrm>
-            <a:off x="936103" y="3387243"/>
+            <a:off x="936103" y="3063152"/>
             <a:ext cx="5638318" cy="2853821"/>
           </a:xfrm>
           <a:prstGeom prst="rect">
